--- a/Presentation/Curtis Project Presentation.pptx
+++ b/Presentation/Curtis Project Presentation.pptx
@@ -140,6 +140,881 @@
 </file>
 
 <file path=ppt/diagrams/colors1.xml><?xml version="1.0" encoding="utf-8"?>
+<dgm:colorsDef xmlns:dgm="http://schemas.openxmlformats.org/drawingml/2006/diagram" xmlns:a="http://schemas.openxmlformats.org/drawingml/2006/main" uniqueId="urn:microsoft.com/office/officeart/2005/8/colors/accent6_3">
+  <dgm:title val=""/>
+  <dgm:desc val=""/>
+  <dgm:catLst>
+    <dgm:cat type="accent6" pri="11300"/>
+  </dgm:catLst>
+  <dgm:styleLbl name="node0">
+    <dgm:fillClrLst meth="repeat">
+      <a:schemeClr val="accent6">
+        <a:shade val="80000"/>
+      </a:schemeClr>
+    </dgm:fillClrLst>
+    <dgm:linClrLst meth="repeat">
+      <a:schemeClr val="lt1"/>
+    </dgm:linClrLst>
+    <dgm:effectClrLst/>
+    <dgm:txLinClrLst/>
+    <dgm:txFillClrLst/>
+    <dgm:txEffectClrLst/>
+  </dgm:styleLbl>
+  <dgm:styleLbl name="node1">
+    <dgm:fillClrLst>
+      <a:schemeClr val="accent6">
+        <a:shade val="80000"/>
+      </a:schemeClr>
+      <a:schemeClr val="accent6">
+        <a:tint val="70000"/>
+      </a:schemeClr>
+    </dgm:fillClrLst>
+    <dgm:linClrLst meth="repeat">
+      <a:schemeClr val="lt1"/>
+    </dgm:linClrLst>
+    <dgm:effectClrLst/>
+    <dgm:txLinClrLst/>
+    <dgm:txFillClrLst/>
+    <dgm:txEffectClrLst/>
+  </dgm:styleLbl>
+  <dgm:styleLbl name="alignNode1">
+    <dgm:fillClrLst>
+      <a:schemeClr val="accent6">
+        <a:shade val="80000"/>
+      </a:schemeClr>
+      <a:schemeClr val="accent6">
+        <a:tint val="70000"/>
+      </a:schemeClr>
+    </dgm:fillClrLst>
+    <dgm:linClrLst>
+      <a:schemeClr val="accent6">
+        <a:shade val="80000"/>
+      </a:schemeClr>
+      <a:schemeClr val="accent6">
+        <a:tint val="70000"/>
+      </a:schemeClr>
+    </dgm:linClrLst>
+    <dgm:effectClrLst/>
+    <dgm:txLinClrLst/>
+    <dgm:txFillClrLst/>
+    <dgm:txEffectClrLst/>
+  </dgm:styleLbl>
+  <dgm:styleLbl name="lnNode1">
+    <dgm:fillClrLst>
+      <a:schemeClr val="accent6">
+        <a:shade val="80000"/>
+      </a:schemeClr>
+      <a:schemeClr val="accent6">
+        <a:tint val="70000"/>
+      </a:schemeClr>
+    </dgm:fillClrLst>
+    <dgm:linClrLst meth="repeat">
+      <a:schemeClr val="lt1"/>
+    </dgm:linClrLst>
+    <dgm:effectClrLst/>
+    <dgm:txLinClrLst/>
+    <dgm:txFillClrLst/>
+    <dgm:txEffectClrLst/>
+  </dgm:styleLbl>
+  <dgm:styleLbl name="vennNode1">
+    <dgm:fillClrLst>
+      <a:schemeClr val="accent6">
+        <a:shade val="80000"/>
+        <a:alpha val="50000"/>
+      </a:schemeClr>
+      <a:schemeClr val="accent6">
+        <a:tint val="70000"/>
+        <a:alpha val="50000"/>
+      </a:schemeClr>
+    </dgm:fillClrLst>
+    <dgm:linClrLst meth="repeat">
+      <a:schemeClr val="lt1"/>
+    </dgm:linClrLst>
+    <dgm:effectClrLst/>
+    <dgm:txLinClrLst/>
+    <dgm:txFillClrLst/>
+    <dgm:txEffectClrLst/>
+  </dgm:styleLbl>
+  <dgm:styleLbl name="node2">
+    <dgm:fillClrLst>
+      <a:schemeClr val="accent6">
+        <a:tint val="99000"/>
+      </a:schemeClr>
+    </dgm:fillClrLst>
+    <dgm:linClrLst meth="repeat">
+      <a:schemeClr val="lt1"/>
+    </dgm:linClrLst>
+    <dgm:effectClrLst/>
+    <dgm:txLinClrLst/>
+    <dgm:txFillClrLst/>
+    <dgm:txEffectClrLst/>
+  </dgm:styleLbl>
+  <dgm:styleLbl name="node3">
+    <dgm:fillClrLst>
+      <a:schemeClr val="accent6">
+        <a:tint val="80000"/>
+      </a:schemeClr>
+    </dgm:fillClrLst>
+    <dgm:linClrLst meth="repeat">
+      <a:schemeClr val="lt1"/>
+    </dgm:linClrLst>
+    <dgm:effectClrLst/>
+    <dgm:txLinClrLst/>
+    <dgm:txFillClrLst/>
+    <dgm:txEffectClrLst/>
+  </dgm:styleLbl>
+  <dgm:styleLbl name="node4">
+    <dgm:fillClrLst>
+      <a:schemeClr val="accent6">
+        <a:tint val="70000"/>
+      </a:schemeClr>
+    </dgm:fillClrLst>
+    <dgm:linClrLst meth="repeat">
+      <a:schemeClr val="lt1"/>
+    </dgm:linClrLst>
+    <dgm:effectClrLst/>
+    <dgm:txLinClrLst/>
+    <dgm:txFillClrLst/>
+    <dgm:txEffectClrLst/>
+  </dgm:styleLbl>
+  <dgm:styleLbl name="fgImgPlace1">
+    <dgm:fillClrLst>
+      <a:schemeClr val="accent6">
+        <a:tint val="50000"/>
+      </a:schemeClr>
+      <a:schemeClr val="accent6">
+        <a:tint val="20000"/>
+      </a:schemeClr>
+    </dgm:fillClrLst>
+    <dgm:linClrLst meth="repeat">
+      <a:schemeClr val="lt1"/>
+    </dgm:linClrLst>
+    <dgm:effectClrLst/>
+    <dgm:txLinClrLst/>
+    <dgm:txFillClrLst meth="repeat">
+      <a:schemeClr val="lt1"/>
+    </dgm:txFillClrLst>
+    <dgm:txEffectClrLst/>
+  </dgm:styleLbl>
+  <dgm:styleLbl name="alignImgPlace1">
+    <dgm:fillClrLst>
+      <a:schemeClr val="accent6">
+        <a:tint val="50000"/>
+      </a:schemeClr>
+      <a:schemeClr val="accent6">
+        <a:tint val="20000"/>
+      </a:schemeClr>
+    </dgm:fillClrLst>
+    <dgm:linClrLst meth="repeat">
+      <a:schemeClr val="lt1"/>
+    </dgm:linClrLst>
+    <dgm:effectClrLst/>
+    <dgm:txLinClrLst/>
+    <dgm:txFillClrLst meth="repeat">
+      <a:schemeClr val="lt1"/>
+    </dgm:txFillClrLst>
+    <dgm:txEffectClrLst/>
+  </dgm:styleLbl>
+  <dgm:styleLbl name="bgImgPlace1">
+    <dgm:fillClrLst>
+      <a:schemeClr val="accent6">
+        <a:tint val="50000"/>
+      </a:schemeClr>
+      <a:schemeClr val="accent6">
+        <a:tint val="20000"/>
+      </a:schemeClr>
+    </dgm:fillClrLst>
+    <dgm:linClrLst meth="repeat">
+      <a:schemeClr val="lt1"/>
+    </dgm:linClrLst>
+    <dgm:effectClrLst/>
+    <dgm:txLinClrLst/>
+    <dgm:txFillClrLst meth="repeat">
+      <a:schemeClr val="lt1"/>
+    </dgm:txFillClrLst>
+    <dgm:txEffectClrLst/>
+  </dgm:styleLbl>
+  <dgm:styleLbl name="sibTrans2D1">
+    <dgm:fillClrLst>
+      <a:schemeClr val="accent6">
+        <a:shade val="90000"/>
+      </a:schemeClr>
+      <a:schemeClr val="accent6">
+        <a:tint val="70000"/>
+      </a:schemeClr>
+    </dgm:fillClrLst>
+    <dgm:linClrLst>
+      <a:schemeClr val="accent6">
+        <a:shade val="90000"/>
+      </a:schemeClr>
+      <a:schemeClr val="accent6">
+        <a:tint val="70000"/>
+      </a:schemeClr>
+    </dgm:linClrLst>
+    <dgm:effectClrLst/>
+    <dgm:txLinClrLst/>
+    <dgm:txFillClrLst/>
+    <dgm:txEffectClrLst/>
+  </dgm:styleLbl>
+  <dgm:styleLbl name="fgSibTrans2D1">
+    <dgm:fillClrLst>
+      <a:schemeClr val="accent6">
+        <a:shade val="90000"/>
+      </a:schemeClr>
+      <a:schemeClr val="accent6">
+        <a:tint val="70000"/>
+      </a:schemeClr>
+    </dgm:fillClrLst>
+    <dgm:linClrLst>
+      <a:schemeClr val="accent6">
+        <a:shade val="90000"/>
+      </a:schemeClr>
+      <a:schemeClr val="accent6">
+        <a:tint val="70000"/>
+      </a:schemeClr>
+    </dgm:linClrLst>
+    <dgm:effectClrLst/>
+    <dgm:txLinClrLst/>
+    <dgm:txFillClrLst meth="repeat">
+      <a:schemeClr val="lt1"/>
+    </dgm:txFillClrLst>
+    <dgm:txEffectClrLst/>
+  </dgm:styleLbl>
+  <dgm:styleLbl name="bgSibTrans2D1">
+    <dgm:fillClrLst>
+      <a:schemeClr val="accent6">
+        <a:shade val="90000"/>
+      </a:schemeClr>
+      <a:schemeClr val="accent6">
+        <a:tint val="70000"/>
+      </a:schemeClr>
+    </dgm:fillClrLst>
+    <dgm:linClrLst>
+      <a:schemeClr val="accent6">
+        <a:shade val="90000"/>
+      </a:schemeClr>
+      <a:schemeClr val="accent6">
+        <a:tint val="70000"/>
+      </a:schemeClr>
+    </dgm:linClrLst>
+    <dgm:effectClrLst/>
+    <dgm:txLinClrLst/>
+    <dgm:txFillClrLst meth="repeat">
+      <a:schemeClr val="lt1"/>
+    </dgm:txFillClrLst>
+    <dgm:txEffectClrLst/>
+  </dgm:styleLbl>
+  <dgm:styleLbl name="sibTrans1D1">
+    <dgm:fillClrLst>
+      <a:schemeClr val="accent6">
+        <a:shade val="90000"/>
+      </a:schemeClr>
+      <a:schemeClr val="accent6">
+        <a:tint val="70000"/>
+      </a:schemeClr>
+    </dgm:fillClrLst>
+    <dgm:linClrLst>
+      <a:schemeClr val="accent6">
+        <a:shade val="90000"/>
+      </a:schemeClr>
+      <a:schemeClr val="accent6">
+        <a:tint val="70000"/>
+      </a:schemeClr>
+    </dgm:linClrLst>
+    <dgm:effectClrLst/>
+    <dgm:txLinClrLst/>
+    <dgm:txFillClrLst meth="repeat">
+      <a:schemeClr val="tx1"/>
+    </dgm:txFillClrLst>
+    <dgm:txEffectClrLst/>
+  </dgm:styleLbl>
+  <dgm:styleLbl name="callout">
+    <dgm:fillClrLst meth="repeat">
+      <a:schemeClr val="accent6"/>
+    </dgm:fillClrLst>
+    <dgm:linClrLst meth="repeat">
+      <a:schemeClr val="accent6"/>
+    </dgm:linClrLst>
+    <dgm:effectClrLst/>
+    <dgm:txLinClrLst/>
+    <dgm:txFillClrLst meth="repeat">
+      <a:schemeClr val="tx1"/>
+    </dgm:txFillClrLst>
+    <dgm:txEffectClrLst/>
+  </dgm:styleLbl>
+  <dgm:styleLbl name="asst0">
+    <dgm:fillClrLst meth="repeat">
+      <a:schemeClr val="accent6">
+        <a:shade val="80000"/>
+      </a:schemeClr>
+    </dgm:fillClrLst>
+    <dgm:linClrLst meth="repeat">
+      <a:schemeClr val="lt1"/>
+    </dgm:linClrLst>
+    <dgm:effectClrLst/>
+    <dgm:txLinClrLst/>
+    <dgm:txFillClrLst/>
+    <dgm:txEffectClrLst/>
+  </dgm:styleLbl>
+  <dgm:styleLbl name="asst1">
+    <dgm:fillClrLst meth="repeat">
+      <a:schemeClr val="accent6">
+        <a:shade val="80000"/>
+      </a:schemeClr>
+    </dgm:fillClrLst>
+    <dgm:linClrLst meth="repeat">
+      <a:schemeClr val="lt1"/>
+    </dgm:linClrLst>
+    <dgm:effectClrLst/>
+    <dgm:txLinClrLst/>
+    <dgm:txFillClrLst/>
+    <dgm:txEffectClrLst/>
+  </dgm:styleLbl>
+  <dgm:styleLbl name="asst2">
+    <dgm:fillClrLst>
+      <a:schemeClr val="accent6">
+        <a:tint val="99000"/>
+      </a:schemeClr>
+    </dgm:fillClrLst>
+    <dgm:linClrLst meth="repeat">
+      <a:schemeClr val="lt1"/>
+    </dgm:linClrLst>
+    <dgm:effectClrLst/>
+    <dgm:txLinClrLst/>
+    <dgm:txFillClrLst/>
+    <dgm:txEffectClrLst/>
+  </dgm:styleLbl>
+  <dgm:styleLbl name="asst3">
+    <dgm:fillClrLst>
+      <a:schemeClr val="accent6">
+        <a:tint val="80000"/>
+      </a:schemeClr>
+    </dgm:fillClrLst>
+    <dgm:linClrLst meth="repeat">
+      <a:schemeClr val="lt1"/>
+    </dgm:linClrLst>
+    <dgm:effectClrLst/>
+    <dgm:txLinClrLst/>
+    <dgm:txFillClrLst/>
+    <dgm:txEffectClrLst/>
+  </dgm:styleLbl>
+  <dgm:styleLbl name="asst4">
+    <dgm:fillClrLst>
+      <a:schemeClr val="accent6">
+        <a:tint val="70000"/>
+      </a:schemeClr>
+    </dgm:fillClrLst>
+    <dgm:linClrLst meth="repeat">
+      <a:schemeClr val="lt1"/>
+    </dgm:linClrLst>
+    <dgm:effectClrLst/>
+    <dgm:txLinClrLst/>
+    <dgm:txFillClrLst/>
+    <dgm:txEffectClrLst/>
+  </dgm:styleLbl>
+  <dgm:styleLbl name="parChTrans2D1">
+    <dgm:fillClrLst meth="repeat">
+      <a:schemeClr val="accent6">
+        <a:tint val="60000"/>
+      </a:schemeClr>
+    </dgm:fillClrLst>
+    <dgm:linClrLst meth="repeat">
+      <a:schemeClr val="accent6">
+        <a:tint val="60000"/>
+      </a:schemeClr>
+    </dgm:linClrLst>
+    <dgm:effectClrLst/>
+    <dgm:txLinClrLst/>
+    <dgm:txFillClrLst meth="repeat">
+      <a:schemeClr val="lt1"/>
+    </dgm:txFillClrLst>
+    <dgm:txEffectClrLst/>
+  </dgm:styleLbl>
+  <dgm:styleLbl name="parChTrans2D2">
+    <dgm:fillClrLst meth="repeat">
+      <a:schemeClr val="accent6">
+        <a:tint val="90000"/>
+      </a:schemeClr>
+    </dgm:fillClrLst>
+    <dgm:linClrLst meth="repeat">
+      <a:schemeClr val="accent6">
+        <a:tint val="90000"/>
+      </a:schemeClr>
+    </dgm:linClrLst>
+    <dgm:effectClrLst/>
+    <dgm:txLinClrLst/>
+    <dgm:txFillClrLst/>
+    <dgm:txEffectClrLst/>
+  </dgm:styleLbl>
+  <dgm:styleLbl name="parChTrans2D3">
+    <dgm:fillClrLst meth="repeat">
+      <a:schemeClr val="accent6">
+        <a:tint val="70000"/>
+      </a:schemeClr>
+    </dgm:fillClrLst>
+    <dgm:linClrLst meth="repeat">
+      <a:schemeClr val="accent6">
+        <a:tint val="70000"/>
+      </a:schemeClr>
+    </dgm:linClrLst>
+    <dgm:effectClrLst/>
+    <dgm:txLinClrLst/>
+    <dgm:txFillClrLst/>
+    <dgm:txEffectClrLst/>
+  </dgm:styleLbl>
+  <dgm:styleLbl name="parChTrans2D4">
+    <dgm:fillClrLst meth="repeat">
+      <a:schemeClr val="accent6">
+        <a:tint val="50000"/>
+      </a:schemeClr>
+    </dgm:fillClrLst>
+    <dgm:linClrLst meth="repeat">
+      <a:schemeClr val="accent6">
+        <a:tint val="50000"/>
+      </a:schemeClr>
+    </dgm:linClrLst>
+    <dgm:effectClrLst/>
+    <dgm:txLinClrLst/>
+    <dgm:txFillClrLst meth="repeat">
+      <a:schemeClr val="lt1"/>
+    </dgm:txFillClrLst>
+    <dgm:txEffectClrLst/>
+  </dgm:styleLbl>
+  <dgm:styleLbl name="parChTrans1D1">
+    <dgm:fillClrLst meth="repeat">
+      <a:schemeClr val="accent6">
+        <a:shade val="80000"/>
+      </a:schemeClr>
+    </dgm:fillClrLst>
+    <dgm:linClrLst meth="repeat">
+      <a:schemeClr val="accent6">
+        <a:shade val="80000"/>
+      </a:schemeClr>
+    </dgm:linClrLst>
+    <dgm:effectClrLst/>
+    <dgm:txLinClrLst/>
+    <dgm:txFillClrLst meth="repeat">
+      <a:schemeClr val="tx1"/>
+    </dgm:txFillClrLst>
+    <dgm:txEffectClrLst/>
+  </dgm:styleLbl>
+  <dgm:styleLbl name="parChTrans1D2">
+    <dgm:fillClrLst meth="repeat">
+      <a:schemeClr val="accent6">
+        <a:tint val="99000"/>
+      </a:schemeClr>
+    </dgm:fillClrLst>
+    <dgm:linClrLst meth="repeat">
+      <a:schemeClr val="accent6">
+        <a:tint val="99000"/>
+      </a:schemeClr>
+    </dgm:linClrLst>
+    <dgm:effectClrLst/>
+    <dgm:txLinClrLst/>
+    <dgm:txFillClrLst meth="repeat">
+      <a:schemeClr val="tx1"/>
+    </dgm:txFillClrLst>
+    <dgm:txEffectClrLst/>
+  </dgm:styleLbl>
+  <dgm:styleLbl name="parChTrans1D3">
+    <dgm:fillClrLst meth="repeat">
+      <a:schemeClr val="accent6">
+        <a:tint val="80000"/>
+      </a:schemeClr>
+    </dgm:fillClrLst>
+    <dgm:linClrLst meth="repeat">
+      <a:schemeClr val="accent6">
+        <a:tint val="80000"/>
+      </a:schemeClr>
+    </dgm:linClrLst>
+    <dgm:effectClrLst/>
+    <dgm:txLinClrLst/>
+    <dgm:txFillClrLst meth="repeat">
+      <a:schemeClr val="tx1"/>
+    </dgm:txFillClrLst>
+    <dgm:txEffectClrLst/>
+  </dgm:styleLbl>
+  <dgm:styleLbl name="parChTrans1D4">
+    <dgm:fillClrLst meth="repeat">
+      <a:schemeClr val="accent6">
+        <a:tint val="70000"/>
+      </a:schemeClr>
+    </dgm:fillClrLst>
+    <dgm:linClrLst meth="repeat">
+      <a:schemeClr val="accent6">
+        <a:tint val="70000"/>
+      </a:schemeClr>
+    </dgm:linClrLst>
+    <dgm:effectClrLst/>
+    <dgm:txLinClrLst/>
+    <dgm:txFillClrLst meth="repeat">
+      <a:schemeClr val="tx1"/>
+    </dgm:txFillClrLst>
+    <dgm:txEffectClrLst/>
+  </dgm:styleLbl>
+  <dgm:styleLbl name="fgAcc1">
+    <dgm:fillClrLst meth="repeat">
+      <a:schemeClr val="lt1">
+        <a:alpha val="90000"/>
+      </a:schemeClr>
+    </dgm:fillClrLst>
+    <dgm:linClrLst>
+      <a:schemeClr val="accent6">
+        <a:shade val="80000"/>
+      </a:schemeClr>
+      <a:schemeClr val="accent6">
+        <a:tint val="70000"/>
+      </a:schemeClr>
+    </dgm:linClrLst>
+    <dgm:effectClrLst/>
+    <dgm:txLinClrLst/>
+    <dgm:txFillClrLst meth="repeat">
+      <a:schemeClr val="dk1"/>
+    </dgm:txFillClrLst>
+    <dgm:txEffectClrLst/>
+  </dgm:styleLbl>
+  <dgm:styleLbl name="conFgAcc1">
+    <dgm:fillClrLst meth="repeat">
+      <a:schemeClr val="lt1">
+        <a:alpha val="90000"/>
+      </a:schemeClr>
+    </dgm:fillClrLst>
+    <dgm:linClrLst>
+      <a:schemeClr val="accent6">
+        <a:shade val="80000"/>
+      </a:schemeClr>
+      <a:schemeClr val="accent6">
+        <a:tint val="70000"/>
+      </a:schemeClr>
+    </dgm:linClrLst>
+    <dgm:effectClrLst/>
+    <dgm:txLinClrLst/>
+    <dgm:txFillClrLst meth="repeat">
+      <a:schemeClr val="dk1"/>
+    </dgm:txFillClrLst>
+    <dgm:txEffectClrLst/>
+  </dgm:styleLbl>
+  <dgm:styleLbl name="alignAcc1">
+    <dgm:fillClrLst meth="repeat">
+      <a:schemeClr val="lt1">
+        <a:alpha val="90000"/>
+      </a:schemeClr>
+    </dgm:fillClrLst>
+    <dgm:linClrLst>
+      <a:schemeClr val="accent6">
+        <a:shade val="80000"/>
+      </a:schemeClr>
+      <a:schemeClr val="accent6">
+        <a:tint val="70000"/>
+      </a:schemeClr>
+    </dgm:linClrLst>
+    <dgm:effectClrLst/>
+    <dgm:txLinClrLst/>
+    <dgm:txFillClrLst meth="repeat">
+      <a:schemeClr val="dk1"/>
+    </dgm:txFillClrLst>
+    <dgm:txEffectClrLst/>
+  </dgm:styleLbl>
+  <dgm:styleLbl name="trAlignAcc1">
+    <dgm:fillClrLst meth="repeat">
+      <a:schemeClr val="lt1">
+        <a:alpha val="40000"/>
+      </a:schemeClr>
+    </dgm:fillClrLst>
+    <dgm:linClrLst meth="repeat">
+      <a:schemeClr val="accent6"/>
+    </dgm:linClrLst>
+    <dgm:effectClrLst/>
+    <dgm:txLinClrLst/>
+    <dgm:txFillClrLst meth="repeat">
+      <a:schemeClr val="dk1"/>
+    </dgm:txFillClrLst>
+    <dgm:txEffectClrLst/>
+  </dgm:styleLbl>
+  <dgm:styleLbl name="bgAcc1">
+    <dgm:fillClrLst meth="repeat">
+      <a:schemeClr val="lt1">
+        <a:alpha val="90000"/>
+      </a:schemeClr>
+    </dgm:fillClrLst>
+    <dgm:linClrLst>
+      <a:schemeClr val="accent6">
+        <a:shade val="80000"/>
+      </a:schemeClr>
+      <a:schemeClr val="accent6">
+        <a:tint val="70000"/>
+      </a:schemeClr>
+    </dgm:linClrLst>
+    <dgm:effectClrLst/>
+    <dgm:txLinClrLst/>
+    <dgm:txFillClrLst meth="repeat">
+      <a:schemeClr val="dk1"/>
+    </dgm:txFillClrLst>
+    <dgm:txEffectClrLst/>
+  </dgm:styleLbl>
+  <dgm:styleLbl name="solidFgAcc1">
+    <dgm:fillClrLst meth="repeat">
+      <a:schemeClr val="lt1"/>
+    </dgm:fillClrLst>
+    <dgm:linClrLst>
+      <a:schemeClr val="accent6">
+        <a:shade val="80000"/>
+      </a:schemeClr>
+      <a:schemeClr val="accent6">
+        <a:tint val="70000"/>
+      </a:schemeClr>
+    </dgm:linClrLst>
+    <dgm:effectClrLst/>
+    <dgm:txLinClrLst/>
+    <dgm:txFillClrLst meth="repeat">
+      <a:schemeClr val="dk1"/>
+    </dgm:txFillClrLst>
+    <dgm:txEffectClrLst/>
+  </dgm:styleLbl>
+  <dgm:styleLbl name="solidAlignAcc1">
+    <dgm:fillClrLst meth="repeat">
+      <a:schemeClr val="lt1"/>
+    </dgm:fillClrLst>
+    <dgm:linClrLst meth="repeat">
+      <a:schemeClr val="accent6"/>
+    </dgm:linClrLst>
+    <dgm:effectClrLst/>
+    <dgm:txLinClrLst/>
+    <dgm:txFillClrLst meth="repeat">
+      <a:schemeClr val="dk1"/>
+    </dgm:txFillClrLst>
+    <dgm:txEffectClrLst/>
+  </dgm:styleLbl>
+  <dgm:styleLbl name="solidBgAcc1">
+    <dgm:fillClrLst meth="repeat">
+      <a:schemeClr val="lt1"/>
+    </dgm:fillClrLst>
+    <dgm:linClrLst meth="repeat">
+      <a:schemeClr val="accent6"/>
+    </dgm:linClrLst>
+    <dgm:effectClrLst/>
+    <dgm:txLinClrLst/>
+    <dgm:txFillClrLst meth="repeat">
+      <a:schemeClr val="dk1"/>
+    </dgm:txFillClrLst>
+    <dgm:txEffectClrLst/>
+  </dgm:styleLbl>
+  <dgm:styleLbl name="fgAccFollowNode1">
+    <dgm:fillClrLst meth="repeat">
+      <a:schemeClr val="accent6">
+        <a:alpha val="90000"/>
+        <a:tint val="40000"/>
+      </a:schemeClr>
+    </dgm:fillClrLst>
+    <dgm:linClrLst meth="repeat">
+      <a:schemeClr val="accent6">
+        <a:alpha val="90000"/>
+        <a:tint val="40000"/>
+      </a:schemeClr>
+    </dgm:linClrLst>
+    <dgm:effectClrLst/>
+    <dgm:txLinClrLst/>
+    <dgm:txFillClrLst meth="repeat">
+      <a:schemeClr val="dk1"/>
+    </dgm:txFillClrLst>
+    <dgm:txEffectClrLst/>
+  </dgm:styleLbl>
+  <dgm:styleLbl name="alignAccFollowNode1">
+    <dgm:fillClrLst meth="repeat">
+      <a:schemeClr val="accent6">
+        <a:alpha val="90000"/>
+        <a:tint val="40000"/>
+      </a:schemeClr>
+    </dgm:fillClrLst>
+    <dgm:linClrLst meth="repeat">
+      <a:schemeClr val="accent6">
+        <a:alpha val="90000"/>
+        <a:tint val="40000"/>
+      </a:schemeClr>
+    </dgm:linClrLst>
+    <dgm:effectClrLst/>
+    <dgm:txLinClrLst/>
+    <dgm:txFillClrLst meth="repeat">
+      <a:schemeClr val="dk1"/>
+    </dgm:txFillClrLst>
+    <dgm:txEffectClrLst/>
+  </dgm:styleLbl>
+  <dgm:styleLbl name="bgAccFollowNode1">
+    <dgm:fillClrLst meth="repeat">
+      <a:schemeClr val="accent6">
+        <a:alpha val="90000"/>
+        <a:tint val="40000"/>
+      </a:schemeClr>
+    </dgm:fillClrLst>
+    <dgm:linClrLst meth="repeat">
+      <a:schemeClr val="lt1"/>
+    </dgm:linClrLst>
+    <dgm:effectClrLst/>
+    <dgm:txLinClrLst/>
+    <dgm:txFillClrLst meth="repeat">
+      <a:schemeClr val="dk1"/>
+    </dgm:txFillClrLst>
+    <dgm:txEffectClrLst/>
+  </dgm:styleLbl>
+  <dgm:styleLbl name="fgAcc0">
+    <dgm:fillClrLst meth="repeat">
+      <a:schemeClr val="lt1">
+        <a:alpha val="90000"/>
+      </a:schemeClr>
+    </dgm:fillClrLst>
+    <dgm:linClrLst meth="repeat">
+      <a:schemeClr val="accent6">
+        <a:shade val="80000"/>
+      </a:schemeClr>
+    </dgm:linClrLst>
+    <dgm:effectClrLst/>
+    <dgm:txLinClrLst/>
+    <dgm:txFillClrLst meth="repeat">
+      <a:schemeClr val="dk1"/>
+    </dgm:txFillClrLst>
+    <dgm:txEffectClrLst/>
+  </dgm:styleLbl>
+  <dgm:styleLbl name="fgAcc2">
+    <dgm:fillClrLst meth="repeat">
+      <a:schemeClr val="lt1">
+        <a:alpha val="90000"/>
+      </a:schemeClr>
+    </dgm:fillClrLst>
+    <dgm:linClrLst meth="repeat">
+      <a:schemeClr val="accent6">
+        <a:tint val="99000"/>
+      </a:schemeClr>
+    </dgm:linClrLst>
+    <dgm:effectClrLst/>
+    <dgm:txLinClrLst/>
+    <dgm:txFillClrLst meth="repeat">
+      <a:schemeClr val="dk1"/>
+    </dgm:txFillClrLst>
+    <dgm:txEffectClrLst/>
+  </dgm:styleLbl>
+  <dgm:styleLbl name="fgAcc3">
+    <dgm:fillClrLst meth="repeat">
+      <a:schemeClr val="lt1">
+        <a:alpha val="90000"/>
+      </a:schemeClr>
+    </dgm:fillClrLst>
+    <dgm:linClrLst meth="repeat">
+      <a:schemeClr val="accent6">
+        <a:tint val="80000"/>
+      </a:schemeClr>
+    </dgm:linClrLst>
+    <dgm:effectClrLst/>
+    <dgm:txLinClrLst/>
+    <dgm:txFillClrLst meth="repeat">
+      <a:schemeClr val="dk1"/>
+    </dgm:txFillClrLst>
+    <dgm:txEffectClrLst/>
+  </dgm:styleLbl>
+  <dgm:styleLbl name="fgAcc4">
+    <dgm:fillClrLst meth="repeat">
+      <a:schemeClr val="lt1">
+        <a:alpha val="90000"/>
+      </a:schemeClr>
+    </dgm:fillClrLst>
+    <dgm:linClrLst meth="repeat">
+      <a:schemeClr val="accent6">
+        <a:tint val="70000"/>
+      </a:schemeClr>
+    </dgm:linClrLst>
+    <dgm:effectClrLst/>
+    <dgm:txLinClrLst/>
+    <dgm:txFillClrLst meth="repeat">
+      <a:schemeClr val="dk1"/>
+    </dgm:txFillClrLst>
+    <dgm:txEffectClrLst/>
+  </dgm:styleLbl>
+  <dgm:styleLbl name="bgShp">
+    <dgm:fillClrLst meth="repeat">
+      <a:schemeClr val="accent6">
+        <a:tint val="40000"/>
+      </a:schemeClr>
+    </dgm:fillClrLst>
+    <dgm:linClrLst meth="repeat">
+      <a:schemeClr val="dk1"/>
+    </dgm:linClrLst>
+    <dgm:effectClrLst/>
+    <dgm:txLinClrLst/>
+    <dgm:txFillClrLst meth="repeat">
+      <a:schemeClr val="dk1"/>
+    </dgm:txFillClrLst>
+    <dgm:txEffectClrLst/>
+  </dgm:styleLbl>
+  <dgm:styleLbl name="dkBgShp">
+    <dgm:fillClrLst meth="repeat">
+      <a:schemeClr val="accent6">
+        <a:shade val="90000"/>
+      </a:schemeClr>
+    </dgm:fillClrLst>
+    <dgm:linClrLst meth="repeat">
+      <a:schemeClr val="dk1"/>
+    </dgm:linClrLst>
+    <dgm:effectClrLst/>
+    <dgm:txLinClrLst/>
+    <dgm:txFillClrLst meth="repeat">
+      <a:schemeClr val="lt1"/>
+    </dgm:txFillClrLst>
+    <dgm:txEffectClrLst/>
+  </dgm:styleLbl>
+  <dgm:styleLbl name="trBgShp">
+    <dgm:fillClrLst meth="repeat">
+      <a:schemeClr val="accent6">
+        <a:tint val="50000"/>
+        <a:alpha val="40000"/>
+      </a:schemeClr>
+    </dgm:fillClrLst>
+    <dgm:linClrLst meth="repeat">
+      <a:schemeClr val="accent6"/>
+    </dgm:linClrLst>
+    <dgm:effectClrLst/>
+    <dgm:txLinClrLst/>
+    <dgm:txFillClrLst meth="repeat">
+      <a:schemeClr val="lt1"/>
+    </dgm:txFillClrLst>
+    <dgm:txEffectClrLst/>
+  </dgm:styleLbl>
+  <dgm:styleLbl name="fgShp">
+    <dgm:fillClrLst meth="repeat">
+      <a:schemeClr val="accent6">
+        <a:tint val="40000"/>
+      </a:schemeClr>
+    </dgm:fillClrLst>
+    <dgm:linClrLst meth="repeat">
+      <a:schemeClr val="lt1"/>
+    </dgm:linClrLst>
+    <dgm:effectClrLst/>
+    <dgm:txLinClrLst/>
+    <dgm:txFillClrLst meth="repeat">
+      <a:schemeClr val="dk1"/>
+    </dgm:txFillClrLst>
+    <dgm:txEffectClrLst/>
+  </dgm:styleLbl>
+  <dgm:styleLbl name="revTx">
+    <dgm:fillClrLst meth="repeat">
+      <a:schemeClr val="lt1">
+        <a:alpha val="0"/>
+      </a:schemeClr>
+    </dgm:fillClrLst>
+    <dgm:linClrLst meth="repeat">
+      <a:schemeClr val="dk1">
+        <a:alpha val="0"/>
+      </a:schemeClr>
+    </dgm:linClrLst>
+    <dgm:effectClrLst/>
+    <dgm:txLinClrLst/>
+    <dgm:txFillClrLst meth="repeat">
+      <a:schemeClr val="tx1"/>
+    </dgm:txFillClrLst>
+    <dgm:txEffectClrLst/>
+  </dgm:styleLbl>
+</dgm:colorsDef>
+</file>
+
+<file path=ppt/diagrams/colors2.xml><?xml version="1.0" encoding="utf-8"?>
 <dgm:colorsDef xmlns:dgm="http://schemas.openxmlformats.org/drawingml/2006/diagram" xmlns:a="http://schemas.openxmlformats.org/drawingml/2006/main" uniqueId="urn:microsoft.com/office/officeart/2005/8/colors/colorful2">
   <dgm:title val=""/>
   <dgm:desc val=""/>
@@ -921,7 +1796,7 @@
 </dgm:colorsDef>
 </file>
 
-<file path=ppt/diagrams/colors2.xml><?xml version="1.0" encoding="utf-8"?>
+<file path=ppt/diagrams/colors3.xml><?xml version="1.0" encoding="utf-8"?>
 <dgm:colorsDef xmlns:dgm="http://schemas.openxmlformats.org/drawingml/2006/diagram" xmlns:a="http://schemas.openxmlformats.org/drawingml/2006/main" uniqueId="urn:microsoft.com/office/officeart/2018/5/colors/Iconchunking_neutralbg_colorful1">
   <dgm:title val=""/>
   <dgm:desc val=""/>
@@ -1846,7 +2721,7 @@
 <dgm:dataModel xmlns:dgm="http://schemas.openxmlformats.org/drawingml/2006/diagram" xmlns:a="http://schemas.openxmlformats.org/drawingml/2006/main">
   <dgm:ptLst>
     <dgm:pt modelId="{21B594A9-58B6-4326-86E2-F438BC41253C}" type="doc">
-      <dgm:prSet loTypeId="urn:microsoft.com/office/officeart/2005/8/layout/list1" loCatId="list" qsTypeId="urn:microsoft.com/office/officeart/2005/8/quickstyle/simple1" qsCatId="simple" csTypeId="urn:microsoft.com/office/officeart/2005/8/colors/colorful2" csCatId="colorful"/>
+      <dgm:prSet loTypeId="urn:microsoft.com/office/officeart/2005/8/layout/list1" loCatId="list" qsTypeId="urn:microsoft.com/office/officeart/2005/8/quickstyle/simple1" qsCatId="simple" csTypeId="urn:microsoft.com/office/officeart/2005/8/colors/accent6_3" csCatId="accent6" phldr="1"/>
       <dgm:spPr/>
       <dgm:t>
         <a:bodyPr/>
@@ -1864,7 +2739,434 @@
         <a:lstStyle/>
         <a:p>
           <a:r>
-            <a:rPr lang="en-US"/>
+            <a:rPr lang="en-US" dirty="0" err="1"/>
+            <a:t>forcats</a:t>
+          </a:r>
+          <a:endParaRPr lang="en-US" dirty="0"/>
+        </a:p>
+      </dgm:t>
+    </dgm:pt>
+    <dgm:pt modelId="{ABCEE3BC-E174-4493-9595-60A64C6C671C}" type="parTrans" cxnId="{B4DDF8C5-DD28-4DEB-8D0E-191CB99B1B3B}">
+      <dgm:prSet/>
+      <dgm:spPr/>
+      <dgm:t>
+        <a:bodyPr/>
+        <a:lstStyle/>
+        <a:p>
+          <a:endParaRPr lang="en-US"/>
+        </a:p>
+      </dgm:t>
+    </dgm:pt>
+    <dgm:pt modelId="{EFDD7A5D-7700-4384-9747-8644DF826429}" type="sibTrans" cxnId="{B4DDF8C5-DD28-4DEB-8D0E-191CB99B1B3B}">
+      <dgm:prSet/>
+      <dgm:spPr/>
+      <dgm:t>
+        <a:bodyPr/>
+        <a:lstStyle/>
+        <a:p>
+          <a:endParaRPr lang="en-US"/>
+        </a:p>
+      </dgm:t>
+    </dgm:pt>
+    <dgm:pt modelId="{BC3FBED9-B0FE-4E52-BD08-7E0EB9C8E12A}">
+      <dgm:prSet/>
+      <dgm:spPr/>
+      <dgm:t>
+        <a:bodyPr/>
+        <a:lstStyle/>
+        <a:p>
+          <a:r>
+            <a:rPr lang="en-US" dirty="0"/>
+            <a:t>ggplot2</a:t>
+          </a:r>
+        </a:p>
+      </dgm:t>
+    </dgm:pt>
+    <dgm:pt modelId="{D86FE699-1FFE-40E3-B14B-522EE06176E6}" type="parTrans" cxnId="{2CDE19CD-1560-4AC9-8C2D-64B85F1A8F71}">
+      <dgm:prSet/>
+      <dgm:spPr/>
+      <dgm:t>
+        <a:bodyPr/>
+        <a:lstStyle/>
+        <a:p>
+          <a:endParaRPr lang="en-US"/>
+        </a:p>
+      </dgm:t>
+    </dgm:pt>
+    <dgm:pt modelId="{C434E1A9-896F-4238-9247-28535EE588AA}" type="sibTrans" cxnId="{2CDE19CD-1560-4AC9-8C2D-64B85F1A8F71}">
+      <dgm:prSet/>
+      <dgm:spPr/>
+      <dgm:t>
+        <a:bodyPr/>
+        <a:lstStyle/>
+        <a:p>
+          <a:endParaRPr lang="en-US"/>
+        </a:p>
+      </dgm:t>
+    </dgm:pt>
+    <dgm:pt modelId="{B0E7A817-F4AB-4606-81BE-8C9575424EB5}">
+      <dgm:prSet/>
+      <dgm:spPr/>
+      <dgm:t>
+        <a:bodyPr/>
+        <a:lstStyle/>
+        <a:p>
+          <a:r>
+            <a:rPr lang="en-US" dirty="0" err="1"/>
+            <a:t>gridExtra</a:t>
+          </a:r>
+          <a:endParaRPr lang="en-US" dirty="0"/>
+        </a:p>
+      </dgm:t>
+    </dgm:pt>
+    <dgm:pt modelId="{3F2EC3E4-5513-47E9-AE36-3D6A1C87B041}" type="parTrans" cxnId="{98572D98-73FA-4539-A067-E01A51FDD26A}">
+      <dgm:prSet/>
+      <dgm:spPr/>
+      <dgm:t>
+        <a:bodyPr/>
+        <a:lstStyle/>
+        <a:p>
+          <a:endParaRPr lang="en-US"/>
+        </a:p>
+      </dgm:t>
+    </dgm:pt>
+    <dgm:pt modelId="{4A0F2125-38EF-448A-B7C4-F1879C81C400}" type="sibTrans" cxnId="{98572D98-73FA-4539-A067-E01A51FDD26A}">
+      <dgm:prSet/>
+      <dgm:spPr/>
+      <dgm:t>
+        <a:bodyPr/>
+        <a:lstStyle/>
+        <a:p>
+          <a:endParaRPr lang="en-US"/>
+        </a:p>
+      </dgm:t>
+    </dgm:pt>
+    <dgm:pt modelId="{D5940EFA-26B7-4801-8135-0621D54FAB44}">
+      <dgm:prSet/>
+      <dgm:spPr/>
+      <dgm:t>
+        <a:bodyPr/>
+        <a:lstStyle/>
+        <a:p>
+          <a:r>
+            <a:rPr lang="en-US" dirty="0" err="1"/>
+            <a:t>dplyr</a:t>
+          </a:r>
+          <a:endParaRPr lang="en-US" dirty="0"/>
+        </a:p>
+      </dgm:t>
+    </dgm:pt>
+    <dgm:pt modelId="{476CDDE3-67FC-42E5-81A9-2E4CBB65965B}" type="parTrans" cxnId="{37660D13-BBFF-4DC8-9B3E-7C9ACEDF7A73}">
+      <dgm:prSet/>
+      <dgm:spPr/>
+      <dgm:t>
+        <a:bodyPr/>
+        <a:lstStyle/>
+        <a:p>
+          <a:endParaRPr lang="en-US"/>
+        </a:p>
+      </dgm:t>
+    </dgm:pt>
+    <dgm:pt modelId="{899B1B15-D598-4161-AFF3-56CE9D6DB45A}" type="sibTrans" cxnId="{37660D13-BBFF-4DC8-9B3E-7C9ACEDF7A73}">
+      <dgm:prSet/>
+      <dgm:spPr/>
+      <dgm:t>
+        <a:bodyPr/>
+        <a:lstStyle/>
+        <a:p>
+          <a:endParaRPr lang="en-US"/>
+        </a:p>
+      </dgm:t>
+    </dgm:pt>
+    <dgm:pt modelId="{B1AF6CC2-5760-496B-9B2A-8618FE313828}">
+      <dgm:prSet/>
+      <dgm:spPr/>
+      <dgm:t>
+        <a:bodyPr/>
+        <a:lstStyle/>
+        <a:p>
+          <a:r>
+            <a:rPr lang="en-US" dirty="0" err="1"/>
+            <a:t>tidyr</a:t>
+          </a:r>
+          <a:endParaRPr lang="en-US" dirty="0"/>
+        </a:p>
+      </dgm:t>
+    </dgm:pt>
+    <dgm:pt modelId="{CB758ACF-CA15-4552-966F-81C7FC682FEC}" type="parTrans" cxnId="{78E4A3F9-62DD-4C1D-A7FE-4E25D681D760}">
+      <dgm:prSet/>
+      <dgm:spPr/>
+      <dgm:t>
+        <a:bodyPr/>
+        <a:lstStyle/>
+        <a:p>
+          <a:endParaRPr lang="en-US"/>
+        </a:p>
+      </dgm:t>
+    </dgm:pt>
+    <dgm:pt modelId="{3B063475-5C0A-46FA-BBC4-6E6C04C3F084}" type="sibTrans" cxnId="{78E4A3F9-62DD-4C1D-A7FE-4E25D681D760}">
+      <dgm:prSet/>
+      <dgm:spPr/>
+      <dgm:t>
+        <a:bodyPr/>
+        <a:lstStyle/>
+        <a:p>
+          <a:endParaRPr lang="en-US"/>
+        </a:p>
+      </dgm:t>
+    </dgm:pt>
+    <dgm:pt modelId="{1D5BC830-5BE9-4F90-A577-7E9342188F45}" type="pres">
+      <dgm:prSet presAssocID="{21B594A9-58B6-4326-86E2-F438BC41253C}" presName="linear" presStyleCnt="0">
+        <dgm:presLayoutVars>
+          <dgm:dir/>
+          <dgm:animLvl val="lvl"/>
+          <dgm:resizeHandles val="exact"/>
+        </dgm:presLayoutVars>
+      </dgm:prSet>
+      <dgm:spPr/>
+    </dgm:pt>
+    <dgm:pt modelId="{707D5FAA-E031-440B-B784-14746D3A6F68}" type="pres">
+      <dgm:prSet presAssocID="{96143316-B979-4455-AB70-39E5E4DC3F3A}" presName="parentLin" presStyleCnt="0"/>
+      <dgm:spPr/>
+    </dgm:pt>
+    <dgm:pt modelId="{89296C24-89F7-44F9-9527-60BE46F2EF6F}" type="pres">
+      <dgm:prSet presAssocID="{96143316-B979-4455-AB70-39E5E4DC3F3A}" presName="parentLeftMargin" presStyleLbl="node1" presStyleIdx="0" presStyleCnt="5"/>
+      <dgm:spPr/>
+    </dgm:pt>
+    <dgm:pt modelId="{D3F86C0A-E150-4936-9236-75CDB2EFC22F}" type="pres">
+      <dgm:prSet presAssocID="{96143316-B979-4455-AB70-39E5E4DC3F3A}" presName="parentText" presStyleLbl="node1" presStyleIdx="0" presStyleCnt="5">
+        <dgm:presLayoutVars>
+          <dgm:chMax val="0"/>
+          <dgm:bulletEnabled val="1"/>
+        </dgm:presLayoutVars>
+      </dgm:prSet>
+      <dgm:spPr/>
+    </dgm:pt>
+    <dgm:pt modelId="{DBAFA363-D0DD-4F2F-A028-1459464F6600}" type="pres">
+      <dgm:prSet presAssocID="{96143316-B979-4455-AB70-39E5E4DC3F3A}" presName="negativeSpace" presStyleCnt="0"/>
+      <dgm:spPr/>
+    </dgm:pt>
+    <dgm:pt modelId="{143CBAC9-5EF9-47D7-8253-6F05606D3421}" type="pres">
+      <dgm:prSet presAssocID="{96143316-B979-4455-AB70-39E5E4DC3F3A}" presName="childText" presStyleLbl="conFgAcc1" presStyleIdx="0" presStyleCnt="5">
+        <dgm:presLayoutVars>
+          <dgm:bulletEnabled val="1"/>
+        </dgm:presLayoutVars>
+      </dgm:prSet>
+      <dgm:spPr/>
+    </dgm:pt>
+    <dgm:pt modelId="{B89BFA29-EDFE-4460-8FCF-7C74EBAF66AE}" type="pres">
+      <dgm:prSet presAssocID="{EFDD7A5D-7700-4384-9747-8644DF826429}" presName="spaceBetweenRectangles" presStyleCnt="0"/>
+      <dgm:spPr/>
+    </dgm:pt>
+    <dgm:pt modelId="{823FEBB8-28D7-4790-81EB-5430B42CA3FD}" type="pres">
+      <dgm:prSet presAssocID="{BC3FBED9-B0FE-4E52-BD08-7E0EB9C8E12A}" presName="parentLin" presStyleCnt="0"/>
+      <dgm:spPr/>
+    </dgm:pt>
+    <dgm:pt modelId="{91AD0BE7-0422-49A0-8897-4592C361AD2C}" type="pres">
+      <dgm:prSet presAssocID="{BC3FBED9-B0FE-4E52-BD08-7E0EB9C8E12A}" presName="parentLeftMargin" presStyleLbl="node1" presStyleIdx="0" presStyleCnt="5"/>
+      <dgm:spPr/>
+    </dgm:pt>
+    <dgm:pt modelId="{3356A9CB-426E-4B2E-B190-DDAB575165F2}" type="pres">
+      <dgm:prSet presAssocID="{BC3FBED9-B0FE-4E52-BD08-7E0EB9C8E12A}" presName="parentText" presStyleLbl="node1" presStyleIdx="1" presStyleCnt="5">
+        <dgm:presLayoutVars>
+          <dgm:chMax val="0"/>
+          <dgm:bulletEnabled val="1"/>
+        </dgm:presLayoutVars>
+      </dgm:prSet>
+      <dgm:spPr/>
+    </dgm:pt>
+    <dgm:pt modelId="{5374D097-6128-4876-89E7-509B5D5047BE}" type="pres">
+      <dgm:prSet presAssocID="{BC3FBED9-B0FE-4E52-BD08-7E0EB9C8E12A}" presName="negativeSpace" presStyleCnt="0"/>
+      <dgm:spPr/>
+    </dgm:pt>
+    <dgm:pt modelId="{831A8268-F79F-43B4-8C93-22BF0CD1D7E4}" type="pres">
+      <dgm:prSet presAssocID="{BC3FBED9-B0FE-4E52-BD08-7E0EB9C8E12A}" presName="childText" presStyleLbl="conFgAcc1" presStyleIdx="1" presStyleCnt="5">
+        <dgm:presLayoutVars>
+          <dgm:bulletEnabled val="1"/>
+        </dgm:presLayoutVars>
+      </dgm:prSet>
+      <dgm:spPr/>
+    </dgm:pt>
+    <dgm:pt modelId="{2ECBD64F-55F3-48CB-AE41-AB89B8863F93}" type="pres">
+      <dgm:prSet presAssocID="{C434E1A9-896F-4238-9247-28535EE588AA}" presName="spaceBetweenRectangles" presStyleCnt="0"/>
+      <dgm:spPr/>
+    </dgm:pt>
+    <dgm:pt modelId="{6EB59E75-D99B-4C97-BFE7-47068D6EE418}" type="pres">
+      <dgm:prSet presAssocID="{B0E7A817-F4AB-4606-81BE-8C9575424EB5}" presName="parentLin" presStyleCnt="0"/>
+      <dgm:spPr/>
+    </dgm:pt>
+    <dgm:pt modelId="{7135636B-4EB9-480A-A542-FA26D11F251F}" type="pres">
+      <dgm:prSet presAssocID="{B0E7A817-F4AB-4606-81BE-8C9575424EB5}" presName="parentLeftMargin" presStyleLbl="node1" presStyleIdx="1" presStyleCnt="5"/>
+      <dgm:spPr/>
+    </dgm:pt>
+    <dgm:pt modelId="{2AE1CB5D-2FDC-4059-834B-07F9715C864A}" type="pres">
+      <dgm:prSet presAssocID="{B0E7A817-F4AB-4606-81BE-8C9575424EB5}" presName="parentText" presStyleLbl="node1" presStyleIdx="2" presStyleCnt="5">
+        <dgm:presLayoutVars>
+          <dgm:chMax val="0"/>
+          <dgm:bulletEnabled val="1"/>
+        </dgm:presLayoutVars>
+      </dgm:prSet>
+      <dgm:spPr/>
+    </dgm:pt>
+    <dgm:pt modelId="{FA9AEB68-F4C3-4B80-8FEA-42C06E3E3E73}" type="pres">
+      <dgm:prSet presAssocID="{B0E7A817-F4AB-4606-81BE-8C9575424EB5}" presName="negativeSpace" presStyleCnt="0"/>
+      <dgm:spPr/>
+    </dgm:pt>
+    <dgm:pt modelId="{6EE754EC-D10F-4371-86B2-F3BD27422E84}" type="pres">
+      <dgm:prSet presAssocID="{B0E7A817-F4AB-4606-81BE-8C9575424EB5}" presName="childText" presStyleLbl="conFgAcc1" presStyleIdx="2" presStyleCnt="5">
+        <dgm:presLayoutVars>
+          <dgm:bulletEnabled val="1"/>
+        </dgm:presLayoutVars>
+      </dgm:prSet>
+      <dgm:spPr/>
+    </dgm:pt>
+    <dgm:pt modelId="{A32C4B99-88BB-4BD6-9FEB-2D0FFCDC59AC}" type="pres">
+      <dgm:prSet presAssocID="{4A0F2125-38EF-448A-B7C4-F1879C81C400}" presName="spaceBetweenRectangles" presStyleCnt="0"/>
+      <dgm:spPr/>
+    </dgm:pt>
+    <dgm:pt modelId="{C5DBBB98-EA13-460F-93E1-EA1BB72A19A0}" type="pres">
+      <dgm:prSet presAssocID="{D5940EFA-26B7-4801-8135-0621D54FAB44}" presName="parentLin" presStyleCnt="0"/>
+      <dgm:spPr/>
+    </dgm:pt>
+    <dgm:pt modelId="{E3D0B512-1B21-4B77-98E7-CE2B6540197D}" type="pres">
+      <dgm:prSet presAssocID="{D5940EFA-26B7-4801-8135-0621D54FAB44}" presName="parentLeftMargin" presStyleLbl="node1" presStyleIdx="2" presStyleCnt="5"/>
+      <dgm:spPr/>
+    </dgm:pt>
+    <dgm:pt modelId="{BE4F2667-B9C5-4EC0-B511-9D2B1AC6B356}" type="pres">
+      <dgm:prSet presAssocID="{D5940EFA-26B7-4801-8135-0621D54FAB44}" presName="parentText" presStyleLbl="node1" presStyleIdx="3" presStyleCnt="5">
+        <dgm:presLayoutVars>
+          <dgm:chMax val="0"/>
+          <dgm:bulletEnabled val="1"/>
+        </dgm:presLayoutVars>
+      </dgm:prSet>
+      <dgm:spPr/>
+    </dgm:pt>
+    <dgm:pt modelId="{3852EFFD-B4B4-46F9-90B1-5AA326E27514}" type="pres">
+      <dgm:prSet presAssocID="{D5940EFA-26B7-4801-8135-0621D54FAB44}" presName="negativeSpace" presStyleCnt="0"/>
+      <dgm:spPr/>
+    </dgm:pt>
+    <dgm:pt modelId="{2C4DD272-277F-4048-B679-CECBE5D14C9C}" type="pres">
+      <dgm:prSet presAssocID="{D5940EFA-26B7-4801-8135-0621D54FAB44}" presName="childText" presStyleLbl="conFgAcc1" presStyleIdx="3" presStyleCnt="5">
+        <dgm:presLayoutVars>
+          <dgm:bulletEnabled val="1"/>
+        </dgm:presLayoutVars>
+      </dgm:prSet>
+      <dgm:spPr/>
+    </dgm:pt>
+    <dgm:pt modelId="{22A45B60-1585-496B-BB25-771BCC4CF860}" type="pres">
+      <dgm:prSet presAssocID="{899B1B15-D598-4161-AFF3-56CE9D6DB45A}" presName="spaceBetweenRectangles" presStyleCnt="0"/>
+      <dgm:spPr/>
+    </dgm:pt>
+    <dgm:pt modelId="{5F48CA31-024F-44CE-A23E-4BFDC59221F4}" type="pres">
+      <dgm:prSet presAssocID="{B1AF6CC2-5760-496B-9B2A-8618FE313828}" presName="parentLin" presStyleCnt="0"/>
+      <dgm:spPr/>
+    </dgm:pt>
+    <dgm:pt modelId="{BB09C71C-B1DF-4D05-82A8-16F4FB209439}" type="pres">
+      <dgm:prSet presAssocID="{B1AF6CC2-5760-496B-9B2A-8618FE313828}" presName="parentLeftMargin" presStyleLbl="node1" presStyleIdx="3" presStyleCnt="5"/>
+      <dgm:spPr/>
+    </dgm:pt>
+    <dgm:pt modelId="{C0EA64B5-3D81-4E65-97C8-40FCF6581129}" type="pres">
+      <dgm:prSet presAssocID="{B1AF6CC2-5760-496B-9B2A-8618FE313828}" presName="parentText" presStyleLbl="node1" presStyleIdx="4" presStyleCnt="5">
+        <dgm:presLayoutVars>
+          <dgm:chMax val="0"/>
+          <dgm:bulletEnabled val="1"/>
+        </dgm:presLayoutVars>
+      </dgm:prSet>
+      <dgm:spPr/>
+    </dgm:pt>
+    <dgm:pt modelId="{FE27E5A8-2CCF-4CD9-BBE1-A423B3254C97}" type="pres">
+      <dgm:prSet presAssocID="{B1AF6CC2-5760-496B-9B2A-8618FE313828}" presName="negativeSpace" presStyleCnt="0"/>
+      <dgm:spPr/>
+    </dgm:pt>
+    <dgm:pt modelId="{DFE56584-BE7D-48D4-A3F9-5C6B8AA0C6BD}" type="pres">
+      <dgm:prSet presAssocID="{B1AF6CC2-5760-496B-9B2A-8618FE313828}" presName="childText" presStyleLbl="conFgAcc1" presStyleIdx="4" presStyleCnt="5">
+        <dgm:presLayoutVars>
+          <dgm:bulletEnabled val="1"/>
+        </dgm:presLayoutVars>
+      </dgm:prSet>
+      <dgm:spPr/>
+    </dgm:pt>
+  </dgm:ptLst>
+  <dgm:cxnLst>
+    <dgm:cxn modelId="{51FFB606-A2B9-4C80-9A88-70AEAB97023D}" type="presOf" srcId="{96143316-B979-4455-AB70-39E5E4DC3F3A}" destId="{89296C24-89F7-44F9-9527-60BE46F2EF6F}" srcOrd="0" destOrd="0" presId="urn:microsoft.com/office/officeart/2005/8/layout/list1"/>
+    <dgm:cxn modelId="{8CAA6011-73C0-4F2A-8E6A-865DE9566E03}" type="presOf" srcId="{96143316-B979-4455-AB70-39E5E4DC3F3A}" destId="{D3F86C0A-E150-4936-9236-75CDB2EFC22F}" srcOrd="1" destOrd="0" presId="urn:microsoft.com/office/officeart/2005/8/layout/list1"/>
+    <dgm:cxn modelId="{37660D13-BBFF-4DC8-9B3E-7C9ACEDF7A73}" srcId="{21B594A9-58B6-4326-86E2-F438BC41253C}" destId="{D5940EFA-26B7-4801-8135-0621D54FAB44}" srcOrd="3" destOrd="0" parTransId="{476CDDE3-67FC-42E5-81A9-2E4CBB65965B}" sibTransId="{899B1B15-D598-4161-AFF3-56CE9D6DB45A}"/>
+    <dgm:cxn modelId="{4254BA32-5685-4F5B-9078-D68642C67574}" type="presOf" srcId="{B0E7A817-F4AB-4606-81BE-8C9575424EB5}" destId="{2AE1CB5D-2FDC-4059-834B-07F9715C864A}" srcOrd="1" destOrd="0" presId="urn:microsoft.com/office/officeart/2005/8/layout/list1"/>
+    <dgm:cxn modelId="{D417CE32-8817-48A7-B772-238810E8BDA8}" type="presOf" srcId="{B1AF6CC2-5760-496B-9B2A-8618FE313828}" destId="{C0EA64B5-3D81-4E65-97C8-40FCF6581129}" srcOrd="1" destOrd="0" presId="urn:microsoft.com/office/officeart/2005/8/layout/list1"/>
+    <dgm:cxn modelId="{A35C743B-3315-4197-9650-48081952D4C1}" type="presOf" srcId="{B1AF6CC2-5760-496B-9B2A-8618FE313828}" destId="{BB09C71C-B1DF-4D05-82A8-16F4FB209439}" srcOrd="0" destOrd="0" presId="urn:microsoft.com/office/officeart/2005/8/layout/list1"/>
+    <dgm:cxn modelId="{58080C52-F35D-4018-B740-8847B2DD79D9}" type="presOf" srcId="{B0E7A817-F4AB-4606-81BE-8C9575424EB5}" destId="{7135636B-4EB9-480A-A542-FA26D11F251F}" srcOrd="0" destOrd="0" presId="urn:microsoft.com/office/officeart/2005/8/layout/list1"/>
+    <dgm:cxn modelId="{6957C475-425C-43C4-BE63-C60CD0D2DCBF}" type="presOf" srcId="{BC3FBED9-B0FE-4E52-BD08-7E0EB9C8E12A}" destId="{91AD0BE7-0422-49A0-8897-4592C361AD2C}" srcOrd="0" destOrd="0" presId="urn:microsoft.com/office/officeart/2005/8/layout/list1"/>
+    <dgm:cxn modelId="{E4464B7F-D2DF-4639-B0CB-5080B58B9576}" type="presOf" srcId="{D5940EFA-26B7-4801-8135-0621D54FAB44}" destId="{BE4F2667-B9C5-4EC0-B511-9D2B1AC6B356}" srcOrd="1" destOrd="0" presId="urn:microsoft.com/office/officeart/2005/8/layout/list1"/>
+    <dgm:cxn modelId="{DD94CA93-3951-4DD5-AB6B-0CEE962FAF61}" type="presOf" srcId="{21B594A9-58B6-4326-86E2-F438BC41253C}" destId="{1D5BC830-5BE9-4F90-A577-7E9342188F45}" srcOrd="0" destOrd="0" presId="urn:microsoft.com/office/officeart/2005/8/layout/list1"/>
+    <dgm:cxn modelId="{98572D98-73FA-4539-A067-E01A51FDD26A}" srcId="{21B594A9-58B6-4326-86E2-F438BC41253C}" destId="{B0E7A817-F4AB-4606-81BE-8C9575424EB5}" srcOrd="2" destOrd="0" parTransId="{3F2EC3E4-5513-47E9-AE36-3D6A1C87B041}" sibTransId="{4A0F2125-38EF-448A-B7C4-F1879C81C400}"/>
+    <dgm:cxn modelId="{EE9ADBAC-A43A-4C02-9D84-C862EE6CD13F}" type="presOf" srcId="{BC3FBED9-B0FE-4E52-BD08-7E0EB9C8E12A}" destId="{3356A9CB-426E-4B2E-B190-DDAB575165F2}" srcOrd="1" destOrd="0" presId="urn:microsoft.com/office/officeart/2005/8/layout/list1"/>
+    <dgm:cxn modelId="{939AA9AE-AC19-4F95-BAD8-5366F0B986E6}" type="presOf" srcId="{D5940EFA-26B7-4801-8135-0621D54FAB44}" destId="{E3D0B512-1B21-4B77-98E7-CE2B6540197D}" srcOrd="0" destOrd="0" presId="urn:microsoft.com/office/officeart/2005/8/layout/list1"/>
+    <dgm:cxn modelId="{B4DDF8C5-DD28-4DEB-8D0E-191CB99B1B3B}" srcId="{21B594A9-58B6-4326-86E2-F438BC41253C}" destId="{96143316-B979-4455-AB70-39E5E4DC3F3A}" srcOrd="0" destOrd="0" parTransId="{ABCEE3BC-E174-4493-9595-60A64C6C671C}" sibTransId="{EFDD7A5D-7700-4384-9747-8644DF826429}"/>
+    <dgm:cxn modelId="{2CDE19CD-1560-4AC9-8C2D-64B85F1A8F71}" srcId="{21B594A9-58B6-4326-86E2-F438BC41253C}" destId="{BC3FBED9-B0FE-4E52-BD08-7E0EB9C8E12A}" srcOrd="1" destOrd="0" parTransId="{D86FE699-1FFE-40E3-B14B-522EE06176E6}" sibTransId="{C434E1A9-896F-4238-9247-28535EE588AA}"/>
+    <dgm:cxn modelId="{78E4A3F9-62DD-4C1D-A7FE-4E25D681D760}" srcId="{21B594A9-58B6-4326-86E2-F438BC41253C}" destId="{B1AF6CC2-5760-496B-9B2A-8618FE313828}" srcOrd="4" destOrd="0" parTransId="{CB758ACF-CA15-4552-966F-81C7FC682FEC}" sibTransId="{3B063475-5C0A-46FA-BBC4-6E6C04C3F084}"/>
+    <dgm:cxn modelId="{60106B3A-B665-497D-AAF8-CECA0263D856}" type="presParOf" srcId="{1D5BC830-5BE9-4F90-A577-7E9342188F45}" destId="{707D5FAA-E031-440B-B784-14746D3A6F68}" srcOrd="0" destOrd="0" presId="urn:microsoft.com/office/officeart/2005/8/layout/list1"/>
+    <dgm:cxn modelId="{CE733FCD-46E8-479A-AF6B-5B02C08C6987}" type="presParOf" srcId="{707D5FAA-E031-440B-B784-14746D3A6F68}" destId="{89296C24-89F7-44F9-9527-60BE46F2EF6F}" srcOrd="0" destOrd="0" presId="urn:microsoft.com/office/officeart/2005/8/layout/list1"/>
+    <dgm:cxn modelId="{5455BCF4-B371-4247-9A83-165FC8314ED0}" type="presParOf" srcId="{707D5FAA-E031-440B-B784-14746D3A6F68}" destId="{D3F86C0A-E150-4936-9236-75CDB2EFC22F}" srcOrd="1" destOrd="0" presId="urn:microsoft.com/office/officeart/2005/8/layout/list1"/>
+    <dgm:cxn modelId="{53AF2900-9FE9-4BD7-B55C-C42D2A3A3FB2}" type="presParOf" srcId="{1D5BC830-5BE9-4F90-A577-7E9342188F45}" destId="{DBAFA363-D0DD-4F2F-A028-1459464F6600}" srcOrd="1" destOrd="0" presId="urn:microsoft.com/office/officeart/2005/8/layout/list1"/>
+    <dgm:cxn modelId="{66344A37-3EC8-4FFF-A43A-60BF07709E9C}" type="presParOf" srcId="{1D5BC830-5BE9-4F90-A577-7E9342188F45}" destId="{143CBAC9-5EF9-47D7-8253-6F05606D3421}" srcOrd="2" destOrd="0" presId="urn:microsoft.com/office/officeart/2005/8/layout/list1"/>
+    <dgm:cxn modelId="{8B8DB659-9F65-4D8C-A453-018ECD7EBCEF}" type="presParOf" srcId="{1D5BC830-5BE9-4F90-A577-7E9342188F45}" destId="{B89BFA29-EDFE-4460-8FCF-7C74EBAF66AE}" srcOrd="3" destOrd="0" presId="urn:microsoft.com/office/officeart/2005/8/layout/list1"/>
+    <dgm:cxn modelId="{3A557FB9-6E95-4B32-81A6-1635FF7C4AA3}" type="presParOf" srcId="{1D5BC830-5BE9-4F90-A577-7E9342188F45}" destId="{823FEBB8-28D7-4790-81EB-5430B42CA3FD}" srcOrd="4" destOrd="0" presId="urn:microsoft.com/office/officeart/2005/8/layout/list1"/>
+    <dgm:cxn modelId="{8D15D458-EC62-402D-98FA-6B6BFBE704AF}" type="presParOf" srcId="{823FEBB8-28D7-4790-81EB-5430B42CA3FD}" destId="{91AD0BE7-0422-49A0-8897-4592C361AD2C}" srcOrd="0" destOrd="0" presId="urn:microsoft.com/office/officeart/2005/8/layout/list1"/>
+    <dgm:cxn modelId="{E24A6FB0-A93D-41C8-BDCF-39562C30755F}" type="presParOf" srcId="{823FEBB8-28D7-4790-81EB-5430B42CA3FD}" destId="{3356A9CB-426E-4B2E-B190-DDAB575165F2}" srcOrd="1" destOrd="0" presId="urn:microsoft.com/office/officeart/2005/8/layout/list1"/>
+    <dgm:cxn modelId="{C788C061-B514-4452-B04C-FD43BFB4834E}" type="presParOf" srcId="{1D5BC830-5BE9-4F90-A577-7E9342188F45}" destId="{5374D097-6128-4876-89E7-509B5D5047BE}" srcOrd="5" destOrd="0" presId="urn:microsoft.com/office/officeart/2005/8/layout/list1"/>
+    <dgm:cxn modelId="{A3EF4361-DA78-4C56-B9A7-DF5D1177E8AD}" type="presParOf" srcId="{1D5BC830-5BE9-4F90-A577-7E9342188F45}" destId="{831A8268-F79F-43B4-8C93-22BF0CD1D7E4}" srcOrd="6" destOrd="0" presId="urn:microsoft.com/office/officeart/2005/8/layout/list1"/>
+    <dgm:cxn modelId="{022D9AC2-2190-4CEA-9811-D73C68D7448A}" type="presParOf" srcId="{1D5BC830-5BE9-4F90-A577-7E9342188F45}" destId="{2ECBD64F-55F3-48CB-AE41-AB89B8863F93}" srcOrd="7" destOrd="0" presId="urn:microsoft.com/office/officeart/2005/8/layout/list1"/>
+    <dgm:cxn modelId="{8FFB438E-3F44-4D8D-936B-5B9B0DE8D59F}" type="presParOf" srcId="{1D5BC830-5BE9-4F90-A577-7E9342188F45}" destId="{6EB59E75-D99B-4C97-BFE7-47068D6EE418}" srcOrd="8" destOrd="0" presId="urn:microsoft.com/office/officeart/2005/8/layout/list1"/>
+    <dgm:cxn modelId="{8D7F5323-AA8F-49E1-9CA1-A9A12A67318F}" type="presParOf" srcId="{6EB59E75-D99B-4C97-BFE7-47068D6EE418}" destId="{7135636B-4EB9-480A-A542-FA26D11F251F}" srcOrd="0" destOrd="0" presId="urn:microsoft.com/office/officeart/2005/8/layout/list1"/>
+    <dgm:cxn modelId="{D2AD2947-0065-4137-A908-C2564BEB12ED}" type="presParOf" srcId="{6EB59E75-D99B-4C97-BFE7-47068D6EE418}" destId="{2AE1CB5D-2FDC-4059-834B-07F9715C864A}" srcOrd="1" destOrd="0" presId="urn:microsoft.com/office/officeart/2005/8/layout/list1"/>
+    <dgm:cxn modelId="{C0145C0C-A51F-4F20-9B87-B43238F3EE98}" type="presParOf" srcId="{1D5BC830-5BE9-4F90-A577-7E9342188F45}" destId="{FA9AEB68-F4C3-4B80-8FEA-42C06E3E3E73}" srcOrd="9" destOrd="0" presId="urn:microsoft.com/office/officeart/2005/8/layout/list1"/>
+    <dgm:cxn modelId="{87B51C59-E657-44D0-97F9-7E8B0D023597}" type="presParOf" srcId="{1D5BC830-5BE9-4F90-A577-7E9342188F45}" destId="{6EE754EC-D10F-4371-86B2-F3BD27422E84}" srcOrd="10" destOrd="0" presId="urn:microsoft.com/office/officeart/2005/8/layout/list1"/>
+    <dgm:cxn modelId="{774FE3AD-6A80-44F5-84E6-2BFE6119B604}" type="presParOf" srcId="{1D5BC830-5BE9-4F90-A577-7E9342188F45}" destId="{A32C4B99-88BB-4BD6-9FEB-2D0FFCDC59AC}" srcOrd="11" destOrd="0" presId="urn:microsoft.com/office/officeart/2005/8/layout/list1"/>
+    <dgm:cxn modelId="{A99829A8-6210-405C-9F88-836B7FDE9803}" type="presParOf" srcId="{1D5BC830-5BE9-4F90-A577-7E9342188F45}" destId="{C5DBBB98-EA13-460F-93E1-EA1BB72A19A0}" srcOrd="12" destOrd="0" presId="urn:microsoft.com/office/officeart/2005/8/layout/list1"/>
+    <dgm:cxn modelId="{803368B9-F08E-48CB-AFA5-6866F3A54C0F}" type="presParOf" srcId="{C5DBBB98-EA13-460F-93E1-EA1BB72A19A0}" destId="{E3D0B512-1B21-4B77-98E7-CE2B6540197D}" srcOrd="0" destOrd="0" presId="urn:microsoft.com/office/officeart/2005/8/layout/list1"/>
+    <dgm:cxn modelId="{520532BE-9719-48A8-8CB8-810923852F5E}" type="presParOf" srcId="{C5DBBB98-EA13-460F-93E1-EA1BB72A19A0}" destId="{BE4F2667-B9C5-4EC0-B511-9D2B1AC6B356}" srcOrd="1" destOrd="0" presId="urn:microsoft.com/office/officeart/2005/8/layout/list1"/>
+    <dgm:cxn modelId="{E3DBD376-AFC0-4AE8-B970-67D46F123C2B}" type="presParOf" srcId="{1D5BC830-5BE9-4F90-A577-7E9342188F45}" destId="{3852EFFD-B4B4-46F9-90B1-5AA326E27514}" srcOrd="13" destOrd="0" presId="urn:microsoft.com/office/officeart/2005/8/layout/list1"/>
+    <dgm:cxn modelId="{C885658D-3DD0-48BC-896F-7A667C9270E5}" type="presParOf" srcId="{1D5BC830-5BE9-4F90-A577-7E9342188F45}" destId="{2C4DD272-277F-4048-B679-CECBE5D14C9C}" srcOrd="14" destOrd="0" presId="urn:microsoft.com/office/officeart/2005/8/layout/list1"/>
+    <dgm:cxn modelId="{6C97C56A-D0DE-44FF-9859-F84B3616B515}" type="presParOf" srcId="{1D5BC830-5BE9-4F90-A577-7E9342188F45}" destId="{22A45B60-1585-496B-BB25-771BCC4CF860}" srcOrd="15" destOrd="0" presId="urn:microsoft.com/office/officeart/2005/8/layout/list1"/>
+    <dgm:cxn modelId="{EE9E652E-0683-4E2D-8B6B-8F7AB03B71AF}" type="presParOf" srcId="{1D5BC830-5BE9-4F90-A577-7E9342188F45}" destId="{5F48CA31-024F-44CE-A23E-4BFDC59221F4}" srcOrd="16" destOrd="0" presId="urn:microsoft.com/office/officeart/2005/8/layout/list1"/>
+    <dgm:cxn modelId="{16FA8F09-5367-491F-8460-16093E87A9E3}" type="presParOf" srcId="{5F48CA31-024F-44CE-A23E-4BFDC59221F4}" destId="{BB09C71C-B1DF-4D05-82A8-16F4FB209439}" srcOrd="0" destOrd="0" presId="urn:microsoft.com/office/officeart/2005/8/layout/list1"/>
+    <dgm:cxn modelId="{E3B2630F-F59F-45E6-B663-4D615840508E}" type="presParOf" srcId="{5F48CA31-024F-44CE-A23E-4BFDC59221F4}" destId="{C0EA64B5-3D81-4E65-97C8-40FCF6581129}" srcOrd="1" destOrd="0" presId="urn:microsoft.com/office/officeart/2005/8/layout/list1"/>
+    <dgm:cxn modelId="{ECDB24D6-8386-4D9C-9736-5FE801C2B5F1}" type="presParOf" srcId="{1D5BC830-5BE9-4F90-A577-7E9342188F45}" destId="{FE27E5A8-2CCF-4CD9-BBE1-A423B3254C97}" srcOrd="17" destOrd="0" presId="urn:microsoft.com/office/officeart/2005/8/layout/list1"/>
+    <dgm:cxn modelId="{06EBF8A7-C3FE-4B7C-A702-099E1BFA9BB1}" type="presParOf" srcId="{1D5BC830-5BE9-4F90-A577-7E9342188F45}" destId="{DFE56584-BE7D-48D4-A3F9-5C6B8AA0C6BD}" srcOrd="18" destOrd="0" presId="urn:microsoft.com/office/officeart/2005/8/layout/list1"/>
+  </dgm:cxnLst>
+  <dgm:bg/>
+  <dgm:whole/>
+  <dgm:extLst>
+    <a:ext uri="http://schemas.microsoft.com/office/drawing/2008/diagram">
+      <dsp:dataModelExt xmlns:dsp="http://schemas.microsoft.com/office/drawing/2008/diagram" relId="rId7" minVer="http://schemas.openxmlformats.org/drawingml/2006/diagram"/>
+    </a:ext>
+  </dgm:extLst>
+</dgm:dataModel>
+</file>
+
+<file path=ppt/diagrams/data2.xml><?xml version="1.0" encoding="utf-8"?>
+<dgm:dataModel xmlns:dgm="http://schemas.openxmlformats.org/drawingml/2006/diagram" xmlns:a="http://schemas.openxmlformats.org/drawingml/2006/main">
+  <dgm:ptLst>
+    <dgm:pt modelId="{21B594A9-58B6-4326-86E2-F438BC41253C}" type="doc">
+      <dgm:prSet loTypeId="urn:microsoft.com/office/officeart/2005/8/layout/list1" loCatId="list" qsTypeId="urn:microsoft.com/office/officeart/2005/8/quickstyle/simple1" qsCatId="simple" csTypeId="urn:microsoft.com/office/officeart/2005/8/colors/colorful2" csCatId="colorful" phldr="1"/>
+      <dgm:spPr/>
+      <dgm:t>
+        <a:bodyPr/>
+        <a:lstStyle/>
+        <a:p>
+          <a:endParaRPr lang="en-US"/>
+        </a:p>
+      </dgm:t>
+    </dgm:pt>
+    <dgm:pt modelId="{96143316-B979-4455-AB70-39E5E4DC3F3A}">
+      <dgm:prSet/>
+      <dgm:spPr/>
+      <dgm:t>
+        <a:bodyPr/>
+        <a:lstStyle/>
+        <a:p>
+          <a:r>
+            <a:rPr lang="en-US" dirty="0"/>
             <a:t>Region</a:t>
           </a:r>
         </a:p>
@@ -1900,7 +3202,7 @@
         <a:lstStyle/>
         <a:p>
           <a:r>
-            <a:rPr lang="en-US"/>
+            <a:rPr lang="en-US" dirty="0"/>
             <a:t>Sex</a:t>
           </a:r>
         </a:p>
@@ -1928,42 +3230,6 @@
         </a:p>
       </dgm:t>
     </dgm:pt>
-    <dgm:pt modelId="{B0E7A817-F4AB-4606-81BE-8C9575424EB5}">
-      <dgm:prSet/>
-      <dgm:spPr/>
-      <dgm:t>
-        <a:bodyPr/>
-        <a:lstStyle/>
-        <a:p>
-          <a:r>
-            <a:rPr lang="en-US"/>
-            <a:t>Collision type</a:t>
-          </a:r>
-        </a:p>
-      </dgm:t>
-    </dgm:pt>
-    <dgm:pt modelId="{3F2EC3E4-5513-47E9-AE36-3D6A1C87B041}" type="parTrans" cxnId="{98572D98-73FA-4539-A067-E01A51FDD26A}">
-      <dgm:prSet/>
-      <dgm:spPr/>
-      <dgm:t>
-        <a:bodyPr/>
-        <a:lstStyle/>
-        <a:p>
-          <a:endParaRPr lang="en-US"/>
-        </a:p>
-      </dgm:t>
-    </dgm:pt>
-    <dgm:pt modelId="{4A0F2125-38EF-448A-B7C4-F1879C81C400}" type="sibTrans" cxnId="{98572D98-73FA-4539-A067-E01A51FDD26A}">
-      <dgm:prSet/>
-      <dgm:spPr/>
-      <dgm:t>
-        <a:bodyPr/>
-        <a:lstStyle/>
-        <a:p>
-          <a:endParaRPr lang="en-US"/>
-        </a:p>
-      </dgm:t>
-    </dgm:pt>
     <dgm:pt modelId="{D5940EFA-26B7-4801-8135-0621D54FAB44}">
       <dgm:prSet/>
       <dgm:spPr/>
@@ -1972,8 +3238,8 @@
         <a:lstStyle/>
         <a:p>
           <a:r>
-            <a:rPr lang="en-US"/>
-            <a:t>Age</a:t>
+            <a:rPr lang="en-US" dirty="0"/>
+            <a:t>Collision type</a:t>
           </a:r>
         </a:p>
       </dgm:t>
@@ -2008,8 +3274,8 @@
         <a:lstStyle/>
         <a:p>
           <a:r>
-            <a:rPr lang="en-US"/>
-            <a:t>Number of people involved</a:t>
+            <a:rPr lang="en-US" dirty="0"/>
+            <a:t>No. of ppl involved</a:t>
           </a:r>
         </a:p>
       </dgm:t>
@@ -2044,7 +3310,7 @@
         <a:lstStyle/>
         <a:p>
           <a:r>
-            <a:rPr lang="en-US"/>
+            <a:rPr lang="en-US" dirty="0"/>
             <a:t>Severity</a:t>
           </a:r>
         </a:p>
@@ -2062,6 +3328,42 @@
       </dgm:t>
     </dgm:pt>
     <dgm:pt modelId="{3B063475-5C0A-46FA-BBC4-6E6C04C3F084}" type="sibTrans" cxnId="{78E4A3F9-62DD-4C1D-A7FE-4E25D681D760}">
+      <dgm:prSet/>
+      <dgm:spPr/>
+      <dgm:t>
+        <a:bodyPr/>
+        <a:lstStyle/>
+        <a:p>
+          <a:endParaRPr lang="en-US"/>
+        </a:p>
+      </dgm:t>
+    </dgm:pt>
+    <dgm:pt modelId="{B0E7A817-F4AB-4606-81BE-8C9575424EB5}">
+      <dgm:prSet/>
+      <dgm:spPr/>
+      <dgm:t>
+        <a:bodyPr/>
+        <a:lstStyle/>
+        <a:p>
+          <a:r>
+            <a:rPr lang="en-US" dirty="0"/>
+            <a:t>Age</a:t>
+          </a:r>
+        </a:p>
+      </dgm:t>
+    </dgm:pt>
+    <dgm:pt modelId="{4A0F2125-38EF-448A-B7C4-F1879C81C400}" type="sibTrans" cxnId="{98572D98-73FA-4539-A067-E01A51FDD26A}">
+      <dgm:prSet/>
+      <dgm:spPr/>
+      <dgm:t>
+        <a:bodyPr/>
+        <a:lstStyle/>
+        <a:p>
+          <a:endParaRPr lang="en-US"/>
+        </a:p>
+      </dgm:t>
+    </dgm:pt>
+    <dgm:pt modelId="{3F2EC3E4-5513-47E9-AE36-3D6A1C87B041}" type="parTrans" cxnId="{98572D98-73FA-4539-A067-E01A51FDD26A}">
       <dgm:prSet/>
       <dgm:spPr/>
       <dgm:t>
@@ -2337,13 +3639,13 @@
   <dgm:whole/>
   <dgm:extLst>
     <a:ext uri="http://schemas.microsoft.com/office/drawing/2008/diagram">
-      <dsp:dataModelExt xmlns:dsp="http://schemas.microsoft.com/office/drawing/2008/diagram" relId="rId7" minVer="http://schemas.openxmlformats.org/drawingml/2006/diagram"/>
+      <dsp:dataModelExt xmlns:dsp="http://schemas.microsoft.com/office/drawing/2008/diagram" relId="rId12" minVer="http://schemas.openxmlformats.org/drawingml/2006/diagram"/>
     </a:ext>
   </dgm:extLst>
 </dgm:dataModel>
 </file>
 
-<file path=ppt/diagrams/data2.xml><?xml version="1.0" encoding="utf-8"?>
+<file path=ppt/diagrams/data3.xml><?xml version="1.0" encoding="utf-8"?>
 <dgm:dataModel xmlns:dgm="http://schemas.openxmlformats.org/drawingml/2006/diagram" xmlns:a="http://schemas.openxmlformats.org/drawingml/2006/main">
   <dgm:ptLst>
     <dgm:pt modelId="{DC8633C4-2667-4E49-B70F-366843FD1FA8}" type="doc">
@@ -2707,8 +4009,669 @@
       </dsp:nvSpPr>
       <dsp:spPr>
         <a:xfrm>
-          <a:off x="0" y="384515"/>
-          <a:ext cx="6364224" cy="504000"/>
+          <a:off x="0" y="361108"/>
+          <a:ext cx="2724777" cy="529200"/>
+        </a:xfrm>
+        <a:prstGeom prst="rect">
+          <a:avLst/>
+        </a:prstGeom>
+        <a:solidFill>
+          <a:schemeClr val="lt1">
+            <a:alpha val="90000"/>
+            <a:hueOff val="0"/>
+            <a:satOff val="0"/>
+            <a:lumOff val="0"/>
+            <a:alphaOff val="0"/>
+          </a:schemeClr>
+        </a:solidFill>
+        <a:ln w="12700" cap="flat" cmpd="sng" algn="ctr">
+          <a:solidFill>
+            <a:schemeClr val="accent6">
+              <a:shade val="80000"/>
+              <a:hueOff val="0"/>
+              <a:satOff val="0"/>
+              <a:lumOff val="0"/>
+              <a:alphaOff val="0"/>
+            </a:schemeClr>
+          </a:solidFill>
+          <a:prstDash val="solid"/>
+          <a:miter lim="800000"/>
+        </a:ln>
+        <a:effectLst/>
+      </dsp:spPr>
+      <dsp:style>
+        <a:lnRef idx="2">
+          <a:scrgbClr r="0" g="0" b="0"/>
+        </a:lnRef>
+        <a:fillRef idx="1">
+          <a:scrgbClr r="0" g="0" b="0"/>
+        </a:fillRef>
+        <a:effectRef idx="0">
+          <a:scrgbClr r="0" g="0" b="0"/>
+        </a:effectRef>
+        <a:fontRef idx="minor"/>
+      </dsp:style>
+    </dsp:sp>
+    <dsp:sp modelId="{D3F86C0A-E150-4936-9236-75CDB2EFC22F}">
+      <dsp:nvSpPr>
+        <dsp:cNvPr id="0" name=""/>
+        <dsp:cNvSpPr/>
+      </dsp:nvSpPr>
+      <dsp:spPr>
+        <a:xfrm>
+          <a:off x="136238" y="51148"/>
+          <a:ext cx="1907343" cy="619920"/>
+        </a:xfrm>
+        <a:prstGeom prst="roundRect">
+          <a:avLst/>
+        </a:prstGeom>
+        <a:solidFill>
+          <a:schemeClr val="accent6">
+            <a:shade val="80000"/>
+            <a:hueOff val="0"/>
+            <a:satOff val="0"/>
+            <a:lumOff val="0"/>
+            <a:alphaOff val="0"/>
+          </a:schemeClr>
+        </a:solidFill>
+        <a:ln w="12700" cap="flat" cmpd="sng" algn="ctr">
+          <a:solidFill>
+            <a:schemeClr val="lt1">
+              <a:hueOff val="0"/>
+              <a:satOff val="0"/>
+              <a:lumOff val="0"/>
+              <a:alphaOff val="0"/>
+            </a:schemeClr>
+          </a:solidFill>
+          <a:prstDash val="solid"/>
+          <a:miter lim="800000"/>
+        </a:ln>
+        <a:effectLst/>
+      </dsp:spPr>
+      <dsp:style>
+        <a:lnRef idx="2">
+          <a:scrgbClr r="0" g="0" b="0"/>
+        </a:lnRef>
+        <a:fillRef idx="1">
+          <a:scrgbClr r="0" g="0" b="0"/>
+        </a:fillRef>
+        <a:effectRef idx="0">
+          <a:scrgbClr r="0" g="0" b="0"/>
+        </a:effectRef>
+        <a:fontRef idx="minor">
+          <a:schemeClr val="lt1"/>
+        </a:fontRef>
+      </dsp:style>
+      <dsp:txBody>
+        <a:bodyPr spcFirstLastPara="0" vert="horz" wrap="square" lIns="72093" tIns="0" rIns="72093" bIns="0" numCol="1" spcCol="1270" anchor="ctr" anchorCtr="0">
+          <a:noAutofit/>
+        </a:bodyPr>
+        <a:lstStyle/>
+        <a:p>
+          <a:pPr marL="0" lvl="0" indent="0" algn="l" defTabSz="933450">
+            <a:lnSpc>
+              <a:spcPct val="90000"/>
+            </a:lnSpc>
+            <a:spcBef>
+              <a:spcPct val="0"/>
+            </a:spcBef>
+            <a:spcAft>
+              <a:spcPct val="35000"/>
+            </a:spcAft>
+            <a:buNone/>
+          </a:pPr>
+          <a:r>
+            <a:rPr lang="en-US" sz="2100" kern="1200" dirty="0" err="1"/>
+            <a:t>forcats</a:t>
+          </a:r>
+          <a:endParaRPr lang="en-US" sz="2100" kern="1200" dirty="0"/>
+        </a:p>
+      </dsp:txBody>
+      <dsp:txXfrm>
+        <a:off x="166500" y="81410"/>
+        <a:ext cx="1846819" cy="559396"/>
+      </dsp:txXfrm>
+    </dsp:sp>
+    <dsp:sp modelId="{831A8268-F79F-43B4-8C93-22BF0CD1D7E4}">
+      <dsp:nvSpPr>
+        <dsp:cNvPr id="0" name=""/>
+        <dsp:cNvSpPr/>
+      </dsp:nvSpPr>
+      <dsp:spPr>
+        <a:xfrm>
+          <a:off x="0" y="1313668"/>
+          <a:ext cx="2724777" cy="529200"/>
+        </a:xfrm>
+        <a:prstGeom prst="rect">
+          <a:avLst/>
+        </a:prstGeom>
+        <a:solidFill>
+          <a:schemeClr val="lt1">
+            <a:alpha val="90000"/>
+            <a:hueOff val="0"/>
+            <a:satOff val="0"/>
+            <a:lumOff val="0"/>
+            <a:alphaOff val="0"/>
+          </a:schemeClr>
+        </a:solidFill>
+        <a:ln w="12700" cap="flat" cmpd="sng" algn="ctr">
+          <a:solidFill>
+            <a:schemeClr val="accent6">
+              <a:shade val="80000"/>
+              <a:hueOff val="-55788"/>
+              <a:satOff val="-5611"/>
+              <a:lumOff val="7554"/>
+              <a:alphaOff val="0"/>
+            </a:schemeClr>
+          </a:solidFill>
+          <a:prstDash val="solid"/>
+          <a:miter lim="800000"/>
+        </a:ln>
+        <a:effectLst/>
+      </dsp:spPr>
+      <dsp:style>
+        <a:lnRef idx="2">
+          <a:scrgbClr r="0" g="0" b="0"/>
+        </a:lnRef>
+        <a:fillRef idx="1">
+          <a:scrgbClr r="0" g="0" b="0"/>
+        </a:fillRef>
+        <a:effectRef idx="0">
+          <a:scrgbClr r="0" g="0" b="0"/>
+        </a:effectRef>
+        <a:fontRef idx="minor"/>
+      </dsp:style>
+    </dsp:sp>
+    <dsp:sp modelId="{3356A9CB-426E-4B2E-B190-DDAB575165F2}">
+      <dsp:nvSpPr>
+        <dsp:cNvPr id="0" name=""/>
+        <dsp:cNvSpPr/>
+      </dsp:nvSpPr>
+      <dsp:spPr>
+        <a:xfrm>
+          <a:off x="136238" y="1003708"/>
+          <a:ext cx="1907343" cy="619920"/>
+        </a:xfrm>
+        <a:prstGeom prst="roundRect">
+          <a:avLst/>
+        </a:prstGeom>
+        <a:solidFill>
+          <a:schemeClr val="accent6">
+            <a:shade val="80000"/>
+            <a:hueOff val="-55788"/>
+            <a:satOff val="-5611"/>
+            <a:lumOff val="7554"/>
+            <a:alphaOff val="0"/>
+          </a:schemeClr>
+        </a:solidFill>
+        <a:ln w="12700" cap="flat" cmpd="sng" algn="ctr">
+          <a:solidFill>
+            <a:schemeClr val="lt1">
+              <a:hueOff val="0"/>
+              <a:satOff val="0"/>
+              <a:lumOff val="0"/>
+              <a:alphaOff val="0"/>
+            </a:schemeClr>
+          </a:solidFill>
+          <a:prstDash val="solid"/>
+          <a:miter lim="800000"/>
+        </a:ln>
+        <a:effectLst/>
+      </dsp:spPr>
+      <dsp:style>
+        <a:lnRef idx="2">
+          <a:scrgbClr r="0" g="0" b="0"/>
+        </a:lnRef>
+        <a:fillRef idx="1">
+          <a:scrgbClr r="0" g="0" b="0"/>
+        </a:fillRef>
+        <a:effectRef idx="0">
+          <a:scrgbClr r="0" g="0" b="0"/>
+        </a:effectRef>
+        <a:fontRef idx="minor">
+          <a:schemeClr val="lt1"/>
+        </a:fontRef>
+      </dsp:style>
+      <dsp:txBody>
+        <a:bodyPr spcFirstLastPara="0" vert="horz" wrap="square" lIns="72093" tIns="0" rIns="72093" bIns="0" numCol="1" spcCol="1270" anchor="ctr" anchorCtr="0">
+          <a:noAutofit/>
+        </a:bodyPr>
+        <a:lstStyle/>
+        <a:p>
+          <a:pPr marL="0" lvl="0" indent="0" algn="l" defTabSz="933450">
+            <a:lnSpc>
+              <a:spcPct val="90000"/>
+            </a:lnSpc>
+            <a:spcBef>
+              <a:spcPct val="0"/>
+            </a:spcBef>
+            <a:spcAft>
+              <a:spcPct val="35000"/>
+            </a:spcAft>
+            <a:buNone/>
+          </a:pPr>
+          <a:r>
+            <a:rPr lang="en-US" sz="2100" kern="1200" dirty="0"/>
+            <a:t>ggplot2</a:t>
+          </a:r>
+        </a:p>
+      </dsp:txBody>
+      <dsp:txXfrm>
+        <a:off x="166500" y="1033970"/>
+        <a:ext cx="1846819" cy="559396"/>
+      </dsp:txXfrm>
+    </dsp:sp>
+    <dsp:sp modelId="{6EE754EC-D10F-4371-86B2-F3BD27422E84}">
+      <dsp:nvSpPr>
+        <dsp:cNvPr id="0" name=""/>
+        <dsp:cNvSpPr/>
+      </dsp:nvSpPr>
+      <dsp:spPr>
+        <a:xfrm>
+          <a:off x="0" y="2266228"/>
+          <a:ext cx="2724777" cy="529200"/>
+        </a:xfrm>
+        <a:prstGeom prst="rect">
+          <a:avLst/>
+        </a:prstGeom>
+        <a:solidFill>
+          <a:schemeClr val="lt1">
+            <a:alpha val="90000"/>
+            <a:hueOff val="0"/>
+            <a:satOff val="0"/>
+            <a:lumOff val="0"/>
+            <a:alphaOff val="0"/>
+          </a:schemeClr>
+        </a:solidFill>
+        <a:ln w="12700" cap="flat" cmpd="sng" algn="ctr">
+          <a:solidFill>
+            <a:schemeClr val="accent6">
+              <a:shade val="80000"/>
+              <a:hueOff val="-111577"/>
+              <a:satOff val="-11222"/>
+              <a:lumOff val="15108"/>
+              <a:alphaOff val="0"/>
+            </a:schemeClr>
+          </a:solidFill>
+          <a:prstDash val="solid"/>
+          <a:miter lim="800000"/>
+        </a:ln>
+        <a:effectLst/>
+      </dsp:spPr>
+      <dsp:style>
+        <a:lnRef idx="2">
+          <a:scrgbClr r="0" g="0" b="0"/>
+        </a:lnRef>
+        <a:fillRef idx="1">
+          <a:scrgbClr r="0" g="0" b="0"/>
+        </a:fillRef>
+        <a:effectRef idx="0">
+          <a:scrgbClr r="0" g="0" b="0"/>
+        </a:effectRef>
+        <a:fontRef idx="minor"/>
+      </dsp:style>
+    </dsp:sp>
+    <dsp:sp modelId="{2AE1CB5D-2FDC-4059-834B-07F9715C864A}">
+      <dsp:nvSpPr>
+        <dsp:cNvPr id="0" name=""/>
+        <dsp:cNvSpPr/>
+      </dsp:nvSpPr>
+      <dsp:spPr>
+        <a:xfrm>
+          <a:off x="136238" y="1956268"/>
+          <a:ext cx="1907343" cy="619920"/>
+        </a:xfrm>
+        <a:prstGeom prst="roundRect">
+          <a:avLst/>
+        </a:prstGeom>
+        <a:solidFill>
+          <a:schemeClr val="accent6">
+            <a:shade val="80000"/>
+            <a:hueOff val="-111577"/>
+            <a:satOff val="-11222"/>
+            <a:lumOff val="15108"/>
+            <a:alphaOff val="0"/>
+          </a:schemeClr>
+        </a:solidFill>
+        <a:ln w="12700" cap="flat" cmpd="sng" algn="ctr">
+          <a:solidFill>
+            <a:schemeClr val="lt1">
+              <a:hueOff val="0"/>
+              <a:satOff val="0"/>
+              <a:lumOff val="0"/>
+              <a:alphaOff val="0"/>
+            </a:schemeClr>
+          </a:solidFill>
+          <a:prstDash val="solid"/>
+          <a:miter lim="800000"/>
+        </a:ln>
+        <a:effectLst/>
+      </dsp:spPr>
+      <dsp:style>
+        <a:lnRef idx="2">
+          <a:scrgbClr r="0" g="0" b="0"/>
+        </a:lnRef>
+        <a:fillRef idx="1">
+          <a:scrgbClr r="0" g="0" b="0"/>
+        </a:fillRef>
+        <a:effectRef idx="0">
+          <a:scrgbClr r="0" g="0" b="0"/>
+        </a:effectRef>
+        <a:fontRef idx="minor">
+          <a:schemeClr val="lt1"/>
+        </a:fontRef>
+      </dsp:style>
+      <dsp:txBody>
+        <a:bodyPr spcFirstLastPara="0" vert="horz" wrap="square" lIns="72093" tIns="0" rIns="72093" bIns="0" numCol="1" spcCol="1270" anchor="ctr" anchorCtr="0">
+          <a:noAutofit/>
+        </a:bodyPr>
+        <a:lstStyle/>
+        <a:p>
+          <a:pPr marL="0" lvl="0" indent="0" algn="l" defTabSz="933450">
+            <a:lnSpc>
+              <a:spcPct val="90000"/>
+            </a:lnSpc>
+            <a:spcBef>
+              <a:spcPct val="0"/>
+            </a:spcBef>
+            <a:spcAft>
+              <a:spcPct val="35000"/>
+            </a:spcAft>
+            <a:buNone/>
+          </a:pPr>
+          <a:r>
+            <a:rPr lang="en-US" sz="2100" kern="1200" dirty="0" err="1"/>
+            <a:t>gridExtra</a:t>
+          </a:r>
+          <a:endParaRPr lang="en-US" sz="2100" kern="1200" dirty="0"/>
+        </a:p>
+      </dsp:txBody>
+      <dsp:txXfrm>
+        <a:off x="166500" y="1986530"/>
+        <a:ext cx="1846819" cy="559396"/>
+      </dsp:txXfrm>
+    </dsp:sp>
+    <dsp:sp modelId="{2C4DD272-277F-4048-B679-CECBE5D14C9C}">
+      <dsp:nvSpPr>
+        <dsp:cNvPr id="0" name=""/>
+        <dsp:cNvSpPr/>
+      </dsp:nvSpPr>
+      <dsp:spPr>
+        <a:xfrm>
+          <a:off x="0" y="3218789"/>
+          <a:ext cx="2724777" cy="529200"/>
+        </a:xfrm>
+        <a:prstGeom prst="rect">
+          <a:avLst/>
+        </a:prstGeom>
+        <a:solidFill>
+          <a:schemeClr val="lt1">
+            <a:alpha val="90000"/>
+            <a:hueOff val="0"/>
+            <a:satOff val="0"/>
+            <a:lumOff val="0"/>
+            <a:alphaOff val="0"/>
+          </a:schemeClr>
+        </a:solidFill>
+        <a:ln w="12700" cap="flat" cmpd="sng" algn="ctr">
+          <a:solidFill>
+            <a:schemeClr val="accent6">
+              <a:shade val="80000"/>
+              <a:hueOff val="-167365"/>
+              <a:satOff val="-16833"/>
+              <a:lumOff val="22661"/>
+              <a:alphaOff val="0"/>
+            </a:schemeClr>
+          </a:solidFill>
+          <a:prstDash val="solid"/>
+          <a:miter lim="800000"/>
+        </a:ln>
+        <a:effectLst/>
+      </dsp:spPr>
+      <dsp:style>
+        <a:lnRef idx="2">
+          <a:scrgbClr r="0" g="0" b="0"/>
+        </a:lnRef>
+        <a:fillRef idx="1">
+          <a:scrgbClr r="0" g="0" b="0"/>
+        </a:fillRef>
+        <a:effectRef idx="0">
+          <a:scrgbClr r="0" g="0" b="0"/>
+        </a:effectRef>
+        <a:fontRef idx="minor"/>
+      </dsp:style>
+    </dsp:sp>
+    <dsp:sp modelId="{BE4F2667-B9C5-4EC0-B511-9D2B1AC6B356}">
+      <dsp:nvSpPr>
+        <dsp:cNvPr id="0" name=""/>
+        <dsp:cNvSpPr/>
+      </dsp:nvSpPr>
+      <dsp:spPr>
+        <a:xfrm>
+          <a:off x="136238" y="2908829"/>
+          <a:ext cx="1907343" cy="619920"/>
+        </a:xfrm>
+        <a:prstGeom prst="roundRect">
+          <a:avLst/>
+        </a:prstGeom>
+        <a:solidFill>
+          <a:schemeClr val="accent6">
+            <a:shade val="80000"/>
+            <a:hueOff val="-167365"/>
+            <a:satOff val="-16833"/>
+            <a:lumOff val="22661"/>
+            <a:alphaOff val="0"/>
+          </a:schemeClr>
+        </a:solidFill>
+        <a:ln w="12700" cap="flat" cmpd="sng" algn="ctr">
+          <a:solidFill>
+            <a:schemeClr val="lt1">
+              <a:hueOff val="0"/>
+              <a:satOff val="0"/>
+              <a:lumOff val="0"/>
+              <a:alphaOff val="0"/>
+            </a:schemeClr>
+          </a:solidFill>
+          <a:prstDash val="solid"/>
+          <a:miter lim="800000"/>
+        </a:ln>
+        <a:effectLst/>
+      </dsp:spPr>
+      <dsp:style>
+        <a:lnRef idx="2">
+          <a:scrgbClr r="0" g="0" b="0"/>
+        </a:lnRef>
+        <a:fillRef idx="1">
+          <a:scrgbClr r="0" g="0" b="0"/>
+        </a:fillRef>
+        <a:effectRef idx="0">
+          <a:scrgbClr r="0" g="0" b="0"/>
+        </a:effectRef>
+        <a:fontRef idx="minor">
+          <a:schemeClr val="lt1"/>
+        </a:fontRef>
+      </dsp:style>
+      <dsp:txBody>
+        <a:bodyPr spcFirstLastPara="0" vert="horz" wrap="square" lIns="72093" tIns="0" rIns="72093" bIns="0" numCol="1" spcCol="1270" anchor="ctr" anchorCtr="0">
+          <a:noAutofit/>
+        </a:bodyPr>
+        <a:lstStyle/>
+        <a:p>
+          <a:pPr marL="0" lvl="0" indent="0" algn="l" defTabSz="933450">
+            <a:lnSpc>
+              <a:spcPct val="90000"/>
+            </a:lnSpc>
+            <a:spcBef>
+              <a:spcPct val="0"/>
+            </a:spcBef>
+            <a:spcAft>
+              <a:spcPct val="35000"/>
+            </a:spcAft>
+            <a:buNone/>
+          </a:pPr>
+          <a:r>
+            <a:rPr lang="en-US" sz="2100" kern="1200" dirty="0" err="1"/>
+            <a:t>dplyr</a:t>
+          </a:r>
+          <a:endParaRPr lang="en-US" sz="2100" kern="1200" dirty="0"/>
+        </a:p>
+      </dsp:txBody>
+      <dsp:txXfrm>
+        <a:off x="166500" y="2939091"/>
+        <a:ext cx="1846819" cy="559396"/>
+      </dsp:txXfrm>
+    </dsp:sp>
+    <dsp:sp modelId="{DFE56584-BE7D-48D4-A3F9-5C6B8AA0C6BD}">
+      <dsp:nvSpPr>
+        <dsp:cNvPr id="0" name=""/>
+        <dsp:cNvSpPr/>
+      </dsp:nvSpPr>
+      <dsp:spPr>
+        <a:xfrm>
+          <a:off x="0" y="4171349"/>
+          <a:ext cx="2724777" cy="529200"/>
+        </a:xfrm>
+        <a:prstGeom prst="rect">
+          <a:avLst/>
+        </a:prstGeom>
+        <a:solidFill>
+          <a:schemeClr val="lt1">
+            <a:alpha val="90000"/>
+            <a:hueOff val="0"/>
+            <a:satOff val="0"/>
+            <a:lumOff val="0"/>
+            <a:alphaOff val="0"/>
+          </a:schemeClr>
+        </a:solidFill>
+        <a:ln w="12700" cap="flat" cmpd="sng" algn="ctr">
+          <a:solidFill>
+            <a:schemeClr val="accent6">
+              <a:shade val="80000"/>
+              <a:hueOff val="-223154"/>
+              <a:satOff val="-22444"/>
+              <a:lumOff val="30215"/>
+              <a:alphaOff val="0"/>
+            </a:schemeClr>
+          </a:solidFill>
+          <a:prstDash val="solid"/>
+          <a:miter lim="800000"/>
+        </a:ln>
+        <a:effectLst/>
+      </dsp:spPr>
+      <dsp:style>
+        <a:lnRef idx="2">
+          <a:scrgbClr r="0" g="0" b="0"/>
+        </a:lnRef>
+        <a:fillRef idx="1">
+          <a:scrgbClr r="0" g="0" b="0"/>
+        </a:fillRef>
+        <a:effectRef idx="0">
+          <a:scrgbClr r="0" g="0" b="0"/>
+        </a:effectRef>
+        <a:fontRef idx="minor"/>
+      </dsp:style>
+    </dsp:sp>
+    <dsp:sp modelId="{C0EA64B5-3D81-4E65-97C8-40FCF6581129}">
+      <dsp:nvSpPr>
+        <dsp:cNvPr id="0" name=""/>
+        <dsp:cNvSpPr/>
+      </dsp:nvSpPr>
+      <dsp:spPr>
+        <a:xfrm>
+          <a:off x="136238" y="3861389"/>
+          <a:ext cx="1907343" cy="619920"/>
+        </a:xfrm>
+        <a:prstGeom prst="roundRect">
+          <a:avLst/>
+        </a:prstGeom>
+        <a:solidFill>
+          <a:schemeClr val="accent6">
+            <a:shade val="80000"/>
+            <a:hueOff val="-223154"/>
+            <a:satOff val="-22444"/>
+            <a:lumOff val="30215"/>
+            <a:alphaOff val="0"/>
+          </a:schemeClr>
+        </a:solidFill>
+        <a:ln w="12700" cap="flat" cmpd="sng" algn="ctr">
+          <a:solidFill>
+            <a:schemeClr val="lt1">
+              <a:hueOff val="0"/>
+              <a:satOff val="0"/>
+              <a:lumOff val="0"/>
+              <a:alphaOff val="0"/>
+            </a:schemeClr>
+          </a:solidFill>
+          <a:prstDash val="solid"/>
+          <a:miter lim="800000"/>
+        </a:ln>
+        <a:effectLst/>
+      </dsp:spPr>
+      <dsp:style>
+        <a:lnRef idx="2">
+          <a:scrgbClr r="0" g="0" b="0"/>
+        </a:lnRef>
+        <a:fillRef idx="1">
+          <a:scrgbClr r="0" g="0" b="0"/>
+        </a:fillRef>
+        <a:effectRef idx="0">
+          <a:scrgbClr r="0" g="0" b="0"/>
+        </a:effectRef>
+        <a:fontRef idx="minor">
+          <a:schemeClr val="lt1"/>
+        </a:fontRef>
+      </dsp:style>
+      <dsp:txBody>
+        <a:bodyPr spcFirstLastPara="0" vert="horz" wrap="square" lIns="72093" tIns="0" rIns="72093" bIns="0" numCol="1" spcCol="1270" anchor="ctr" anchorCtr="0">
+          <a:noAutofit/>
+        </a:bodyPr>
+        <a:lstStyle/>
+        <a:p>
+          <a:pPr marL="0" lvl="0" indent="0" algn="l" defTabSz="933450">
+            <a:lnSpc>
+              <a:spcPct val="90000"/>
+            </a:lnSpc>
+            <a:spcBef>
+              <a:spcPct val="0"/>
+            </a:spcBef>
+            <a:spcAft>
+              <a:spcPct val="35000"/>
+            </a:spcAft>
+            <a:buNone/>
+          </a:pPr>
+          <a:r>
+            <a:rPr lang="en-US" sz="2100" kern="1200" dirty="0" err="1"/>
+            <a:t>tidyr</a:t>
+          </a:r>
+          <a:endParaRPr lang="en-US" sz="2100" kern="1200" dirty="0"/>
+        </a:p>
+      </dsp:txBody>
+      <dsp:txXfrm>
+        <a:off x="166500" y="3891651"/>
+        <a:ext cx="1846819" cy="559396"/>
+      </dsp:txXfrm>
+    </dsp:sp>
+  </dsp:spTree>
+</dsp:drawing>
+</file>
+
+<file path=ppt/diagrams/drawing2.xml><?xml version="1.0" encoding="utf-8"?>
+<dsp:drawing xmlns:dgm="http://schemas.openxmlformats.org/drawingml/2006/diagram" xmlns:dsp="http://schemas.microsoft.com/office/drawing/2008/diagram" xmlns:a="http://schemas.openxmlformats.org/drawingml/2006/main">
+  <dsp:spTree>
+    <dsp:nvGrpSpPr>
+      <dsp:cNvPr id="0" name=""/>
+      <dsp:cNvGrpSpPr/>
+    </dsp:nvGrpSpPr>
+    <dsp:grpSpPr/>
+    <dsp:sp modelId="{143CBAC9-5EF9-47D7-8253-6F05606D3421}">
+      <dsp:nvSpPr>
+        <dsp:cNvPr id="0" name=""/>
+        <dsp:cNvSpPr/>
+      </dsp:nvSpPr>
+      <dsp:spPr>
+        <a:xfrm>
+          <a:off x="0" y="749076"/>
+          <a:ext cx="3182114" cy="453600"/>
         </a:xfrm>
         <a:prstGeom prst="rect">
           <a:avLst/>
@@ -2756,8 +4719,8 @@
       </dsp:nvSpPr>
       <dsp:spPr>
         <a:xfrm>
-          <a:off x="318211" y="89315"/>
-          <a:ext cx="4454956" cy="590400"/>
+          <a:off x="159105" y="483396"/>
+          <a:ext cx="2227479" cy="531360"/>
         </a:xfrm>
         <a:prstGeom prst="roundRect">
           <a:avLst/>
@@ -2799,12 +4762,12 @@
         </a:fontRef>
       </dsp:style>
       <dsp:txBody>
-        <a:bodyPr spcFirstLastPara="0" vert="horz" wrap="square" lIns="168387" tIns="0" rIns="168387" bIns="0" numCol="1" spcCol="1270" anchor="ctr" anchorCtr="0">
+        <a:bodyPr spcFirstLastPara="0" vert="horz" wrap="square" lIns="84193" tIns="0" rIns="84193" bIns="0" numCol="1" spcCol="1270" anchor="ctr" anchorCtr="0">
           <a:noAutofit/>
         </a:bodyPr>
         <a:lstStyle/>
         <a:p>
-          <a:pPr marL="0" lvl="0" indent="0" algn="l" defTabSz="889000">
+          <a:pPr marL="0" lvl="0" indent="0" algn="l" defTabSz="800100">
             <a:lnSpc>
               <a:spcPct val="90000"/>
             </a:lnSpc>
@@ -2817,14 +4780,14 @@
             <a:buNone/>
           </a:pPr>
           <a:r>
-            <a:rPr lang="en-US" sz="2000" kern="1200"/>
+            <a:rPr lang="en-US" sz="1800" kern="1200" dirty="0"/>
             <a:t>Region</a:t>
           </a:r>
         </a:p>
       </dsp:txBody>
       <dsp:txXfrm>
-        <a:off x="347032" y="118136"/>
-        <a:ext cx="4397314" cy="532758"/>
+        <a:off x="185044" y="509335"/>
+        <a:ext cx="2175601" cy="479482"/>
       </dsp:txXfrm>
     </dsp:sp>
     <dsp:sp modelId="{831A8268-F79F-43B4-8C93-22BF0CD1D7E4}">
@@ -2834,8 +4797,8 @@
       </dsp:nvSpPr>
       <dsp:spPr>
         <a:xfrm>
-          <a:off x="0" y="1291716"/>
-          <a:ext cx="6364224" cy="504000"/>
+          <a:off x="0" y="1565556"/>
+          <a:ext cx="3182114" cy="453600"/>
         </a:xfrm>
         <a:prstGeom prst="rect">
           <a:avLst/>
@@ -2883,8 +4846,8 @@
       </dsp:nvSpPr>
       <dsp:spPr>
         <a:xfrm>
-          <a:off x="318211" y="996515"/>
-          <a:ext cx="4454956" cy="590400"/>
+          <a:off x="159105" y="1299876"/>
+          <a:ext cx="2227479" cy="531360"/>
         </a:xfrm>
         <a:prstGeom prst="roundRect">
           <a:avLst/>
@@ -2926,12 +4889,12 @@
         </a:fontRef>
       </dsp:style>
       <dsp:txBody>
-        <a:bodyPr spcFirstLastPara="0" vert="horz" wrap="square" lIns="168387" tIns="0" rIns="168387" bIns="0" numCol="1" spcCol="1270" anchor="ctr" anchorCtr="0">
+        <a:bodyPr spcFirstLastPara="0" vert="horz" wrap="square" lIns="84193" tIns="0" rIns="84193" bIns="0" numCol="1" spcCol="1270" anchor="ctr" anchorCtr="0">
           <a:noAutofit/>
         </a:bodyPr>
         <a:lstStyle/>
         <a:p>
-          <a:pPr marL="0" lvl="0" indent="0" algn="l" defTabSz="889000">
+          <a:pPr marL="0" lvl="0" indent="0" algn="l" defTabSz="800100">
             <a:lnSpc>
               <a:spcPct val="90000"/>
             </a:lnSpc>
@@ -2944,14 +4907,14 @@
             <a:buNone/>
           </a:pPr>
           <a:r>
-            <a:rPr lang="en-US" sz="2000" kern="1200"/>
+            <a:rPr lang="en-US" sz="1800" kern="1200" dirty="0"/>
             <a:t>Sex</a:t>
           </a:r>
         </a:p>
       </dsp:txBody>
       <dsp:txXfrm>
-        <a:off x="347032" y="1025336"/>
-        <a:ext cx="4397314" cy="532758"/>
+        <a:off x="185044" y="1325815"/>
+        <a:ext cx="2175601" cy="479482"/>
       </dsp:txXfrm>
     </dsp:sp>
     <dsp:sp modelId="{6EE754EC-D10F-4371-86B2-F3BD27422E84}">
@@ -2961,8 +4924,8 @@
       </dsp:nvSpPr>
       <dsp:spPr>
         <a:xfrm>
-          <a:off x="0" y="2198916"/>
-          <a:ext cx="6364224" cy="504000"/>
+          <a:off x="0" y="2382036"/>
+          <a:ext cx="3182114" cy="453600"/>
         </a:xfrm>
         <a:prstGeom prst="rect">
           <a:avLst/>
@@ -3010,8 +4973,8 @@
       </dsp:nvSpPr>
       <dsp:spPr>
         <a:xfrm>
-          <a:off x="318211" y="1903716"/>
-          <a:ext cx="4454956" cy="590400"/>
+          <a:off x="159105" y="2116356"/>
+          <a:ext cx="2227479" cy="531360"/>
         </a:xfrm>
         <a:prstGeom prst="roundRect">
           <a:avLst/>
@@ -3053,12 +5016,12 @@
         </a:fontRef>
       </dsp:style>
       <dsp:txBody>
-        <a:bodyPr spcFirstLastPara="0" vert="horz" wrap="square" lIns="168387" tIns="0" rIns="168387" bIns="0" numCol="1" spcCol="1270" anchor="ctr" anchorCtr="0">
+        <a:bodyPr spcFirstLastPara="0" vert="horz" wrap="square" lIns="84193" tIns="0" rIns="84193" bIns="0" numCol="1" spcCol="1270" anchor="ctr" anchorCtr="0">
           <a:noAutofit/>
         </a:bodyPr>
         <a:lstStyle/>
         <a:p>
-          <a:pPr marL="0" lvl="0" indent="0" algn="l" defTabSz="889000">
+          <a:pPr marL="0" lvl="0" indent="0" algn="l" defTabSz="800100">
             <a:lnSpc>
               <a:spcPct val="90000"/>
             </a:lnSpc>
@@ -3071,14 +5034,14 @@
             <a:buNone/>
           </a:pPr>
           <a:r>
-            <a:rPr lang="en-US" sz="2000" kern="1200"/>
-            <a:t>Collision type</a:t>
+            <a:rPr lang="en-US" sz="1800" kern="1200" dirty="0"/>
+            <a:t>Age</a:t>
           </a:r>
         </a:p>
       </dsp:txBody>
       <dsp:txXfrm>
-        <a:off x="347032" y="1932537"/>
-        <a:ext cx="4397314" cy="532758"/>
+        <a:off x="185044" y="2142295"/>
+        <a:ext cx="2175601" cy="479482"/>
       </dsp:txXfrm>
     </dsp:sp>
     <dsp:sp modelId="{2C4DD272-277F-4048-B679-CECBE5D14C9C}">
@@ -3088,8 +5051,8 @@
       </dsp:nvSpPr>
       <dsp:spPr>
         <a:xfrm>
-          <a:off x="0" y="3106116"/>
-          <a:ext cx="6364224" cy="504000"/>
+          <a:off x="0" y="3198516"/>
+          <a:ext cx="3182114" cy="453600"/>
         </a:xfrm>
         <a:prstGeom prst="rect">
           <a:avLst/>
@@ -3137,8 +5100,8 @@
       </dsp:nvSpPr>
       <dsp:spPr>
         <a:xfrm>
-          <a:off x="318211" y="2810916"/>
-          <a:ext cx="4454956" cy="590400"/>
+          <a:off x="159105" y="2932836"/>
+          <a:ext cx="2227479" cy="531360"/>
         </a:xfrm>
         <a:prstGeom prst="roundRect">
           <a:avLst/>
@@ -3180,12 +5143,12 @@
         </a:fontRef>
       </dsp:style>
       <dsp:txBody>
-        <a:bodyPr spcFirstLastPara="0" vert="horz" wrap="square" lIns="168387" tIns="0" rIns="168387" bIns="0" numCol="1" spcCol="1270" anchor="ctr" anchorCtr="0">
+        <a:bodyPr spcFirstLastPara="0" vert="horz" wrap="square" lIns="84193" tIns="0" rIns="84193" bIns="0" numCol="1" spcCol="1270" anchor="ctr" anchorCtr="0">
           <a:noAutofit/>
         </a:bodyPr>
         <a:lstStyle/>
         <a:p>
-          <a:pPr marL="0" lvl="0" indent="0" algn="l" defTabSz="889000">
+          <a:pPr marL="0" lvl="0" indent="0" algn="l" defTabSz="800100">
             <a:lnSpc>
               <a:spcPct val="90000"/>
             </a:lnSpc>
@@ -3198,14 +5161,14 @@
             <a:buNone/>
           </a:pPr>
           <a:r>
-            <a:rPr lang="en-US" sz="2000" kern="1200"/>
-            <a:t>Age</a:t>
+            <a:rPr lang="en-US" sz="1800" kern="1200" dirty="0"/>
+            <a:t>Collision type</a:t>
           </a:r>
         </a:p>
       </dsp:txBody>
       <dsp:txXfrm>
-        <a:off x="347032" y="2839737"/>
-        <a:ext cx="4397314" cy="532758"/>
+        <a:off x="185044" y="2958775"/>
+        <a:ext cx="2175601" cy="479482"/>
       </dsp:txXfrm>
     </dsp:sp>
     <dsp:sp modelId="{78BA150A-A51D-459A-A10C-1A35D0ABC9E0}">
@@ -3215,8 +5178,8 @@
       </dsp:nvSpPr>
       <dsp:spPr>
         <a:xfrm>
-          <a:off x="0" y="4013316"/>
-          <a:ext cx="6364224" cy="504000"/>
+          <a:off x="0" y="4014996"/>
+          <a:ext cx="3182114" cy="453600"/>
         </a:xfrm>
         <a:prstGeom prst="rect">
           <a:avLst/>
@@ -3264,8 +5227,8 @@
       </dsp:nvSpPr>
       <dsp:spPr>
         <a:xfrm>
-          <a:off x="318211" y="3718116"/>
-          <a:ext cx="4454956" cy="590400"/>
+          <a:off x="159105" y="3749316"/>
+          <a:ext cx="2227479" cy="531360"/>
         </a:xfrm>
         <a:prstGeom prst="roundRect">
           <a:avLst/>
@@ -3307,12 +5270,12 @@
         </a:fontRef>
       </dsp:style>
       <dsp:txBody>
-        <a:bodyPr spcFirstLastPara="0" vert="horz" wrap="square" lIns="168387" tIns="0" rIns="168387" bIns="0" numCol="1" spcCol="1270" anchor="ctr" anchorCtr="0">
+        <a:bodyPr spcFirstLastPara="0" vert="horz" wrap="square" lIns="84193" tIns="0" rIns="84193" bIns="0" numCol="1" spcCol="1270" anchor="ctr" anchorCtr="0">
           <a:noAutofit/>
         </a:bodyPr>
         <a:lstStyle/>
         <a:p>
-          <a:pPr marL="0" lvl="0" indent="0" algn="l" defTabSz="889000">
+          <a:pPr marL="0" lvl="0" indent="0" algn="l" defTabSz="800100">
             <a:lnSpc>
               <a:spcPct val="90000"/>
             </a:lnSpc>
@@ -3325,14 +5288,14 @@
             <a:buNone/>
           </a:pPr>
           <a:r>
-            <a:rPr lang="en-US" sz="2000" kern="1200"/>
-            <a:t>Number of people involved</a:t>
+            <a:rPr lang="en-US" sz="1800" kern="1200" dirty="0"/>
+            <a:t>No. of ppl involved</a:t>
           </a:r>
         </a:p>
       </dsp:txBody>
       <dsp:txXfrm>
-        <a:off x="347032" y="3746937"/>
-        <a:ext cx="4397314" cy="532758"/>
+        <a:off x="185044" y="3775255"/>
+        <a:ext cx="2175601" cy="479482"/>
       </dsp:txXfrm>
     </dsp:sp>
     <dsp:sp modelId="{DFE56584-BE7D-48D4-A3F9-5C6B8AA0C6BD}">
@@ -3342,8 +5305,8 @@
       </dsp:nvSpPr>
       <dsp:spPr>
         <a:xfrm>
-          <a:off x="0" y="4920516"/>
-          <a:ext cx="6364224" cy="504000"/>
+          <a:off x="0" y="4831476"/>
+          <a:ext cx="3182114" cy="453600"/>
         </a:xfrm>
         <a:prstGeom prst="rect">
           <a:avLst/>
@@ -3391,8 +5354,8 @@
       </dsp:nvSpPr>
       <dsp:spPr>
         <a:xfrm>
-          <a:off x="318211" y="4625316"/>
-          <a:ext cx="4454956" cy="590400"/>
+          <a:off x="159105" y="4565796"/>
+          <a:ext cx="2227479" cy="531360"/>
         </a:xfrm>
         <a:prstGeom prst="roundRect">
           <a:avLst/>
@@ -3434,12 +5397,12 @@
         </a:fontRef>
       </dsp:style>
       <dsp:txBody>
-        <a:bodyPr spcFirstLastPara="0" vert="horz" wrap="square" lIns="168387" tIns="0" rIns="168387" bIns="0" numCol="1" spcCol="1270" anchor="ctr" anchorCtr="0">
+        <a:bodyPr spcFirstLastPara="0" vert="horz" wrap="square" lIns="84193" tIns="0" rIns="84193" bIns="0" numCol="1" spcCol="1270" anchor="ctr" anchorCtr="0">
           <a:noAutofit/>
         </a:bodyPr>
         <a:lstStyle/>
         <a:p>
-          <a:pPr marL="0" lvl="0" indent="0" algn="l" defTabSz="889000">
+          <a:pPr marL="0" lvl="0" indent="0" algn="l" defTabSz="800100">
             <a:lnSpc>
               <a:spcPct val="90000"/>
             </a:lnSpc>
@@ -3452,21 +5415,21 @@
             <a:buNone/>
           </a:pPr>
           <a:r>
-            <a:rPr lang="en-US" sz="2000" kern="1200"/>
+            <a:rPr lang="en-US" sz="1800" kern="1200" dirty="0"/>
             <a:t>Severity</a:t>
           </a:r>
         </a:p>
       </dsp:txBody>
       <dsp:txXfrm>
-        <a:off x="347032" y="4654137"/>
-        <a:ext cx="4397314" cy="532758"/>
+        <a:off x="185044" y="4591735"/>
+        <a:ext cx="2175601" cy="479482"/>
       </dsp:txXfrm>
     </dsp:sp>
   </dsp:spTree>
 </dsp:drawing>
 </file>
 
-<file path=ppt/diagrams/drawing2.xml><?xml version="1.0" encoding="utf-8"?>
+<file path=ppt/diagrams/drawing3.xml><?xml version="1.0" encoding="utf-8"?>
 <dsp:drawing xmlns:dgm="http://schemas.openxmlformats.org/drawingml/2006/diagram" xmlns:dsp="http://schemas.microsoft.com/office/drawing/2008/diagram" xmlns:a="http://schemas.openxmlformats.org/drawingml/2006/main">
   <dsp:spTree>
     <dsp:nvGrpSpPr>
@@ -4106,6 +6069,231 @@
 </file>
 
 <file path=ppt/diagrams/layout2.xml><?xml version="1.0" encoding="utf-8"?>
+<dgm:layoutDef xmlns:dgm="http://schemas.openxmlformats.org/drawingml/2006/diagram" xmlns:a="http://schemas.openxmlformats.org/drawingml/2006/main" uniqueId="urn:microsoft.com/office/officeart/2005/8/layout/list1">
+  <dgm:title val=""/>
+  <dgm:desc val=""/>
+  <dgm:catLst>
+    <dgm:cat type="list" pri="4000"/>
+  </dgm:catLst>
+  <dgm:sampData>
+    <dgm:dataModel>
+      <dgm:ptLst>
+        <dgm:pt modelId="0" type="doc"/>
+        <dgm:pt modelId="1">
+          <dgm:prSet phldr="1"/>
+        </dgm:pt>
+        <dgm:pt modelId="2">
+          <dgm:prSet phldr="1"/>
+        </dgm:pt>
+        <dgm:pt modelId="3">
+          <dgm:prSet phldr="1"/>
+        </dgm:pt>
+      </dgm:ptLst>
+      <dgm:cxnLst>
+        <dgm:cxn modelId="4" srcId="0" destId="1" srcOrd="0" destOrd="0"/>
+        <dgm:cxn modelId="5" srcId="0" destId="2" srcOrd="1" destOrd="0"/>
+        <dgm:cxn modelId="6" srcId="0" destId="3" srcOrd="2" destOrd="0"/>
+      </dgm:cxnLst>
+      <dgm:bg/>
+      <dgm:whole/>
+    </dgm:dataModel>
+  </dgm:sampData>
+  <dgm:styleData>
+    <dgm:dataModel>
+      <dgm:ptLst>
+        <dgm:pt modelId="0" type="doc"/>
+        <dgm:pt modelId="1"/>
+        <dgm:pt modelId="2"/>
+      </dgm:ptLst>
+      <dgm:cxnLst>
+        <dgm:cxn modelId="4" srcId="0" destId="1" srcOrd="0" destOrd="0"/>
+        <dgm:cxn modelId="5" srcId="0" destId="2" srcOrd="1" destOrd="0"/>
+      </dgm:cxnLst>
+      <dgm:bg/>
+      <dgm:whole/>
+    </dgm:dataModel>
+  </dgm:styleData>
+  <dgm:clrData>
+    <dgm:dataModel>
+      <dgm:ptLst>
+        <dgm:pt modelId="0" type="doc"/>
+        <dgm:pt modelId="1"/>
+        <dgm:pt modelId="2"/>
+        <dgm:pt modelId="3"/>
+        <dgm:pt modelId="4"/>
+      </dgm:ptLst>
+      <dgm:cxnLst>
+        <dgm:cxn modelId="5" srcId="0" destId="1" srcOrd="0" destOrd="0"/>
+        <dgm:cxn modelId="6" srcId="0" destId="2" srcOrd="1" destOrd="0"/>
+        <dgm:cxn modelId="7" srcId="0" destId="3" srcOrd="2" destOrd="0"/>
+        <dgm:cxn modelId="8" srcId="0" destId="4" srcOrd="3" destOrd="0"/>
+      </dgm:cxnLst>
+      <dgm:bg/>
+      <dgm:whole/>
+    </dgm:dataModel>
+  </dgm:clrData>
+  <dgm:layoutNode name="linear">
+    <dgm:varLst>
+      <dgm:dir/>
+      <dgm:animLvl val="lvl"/>
+      <dgm:resizeHandles val="exact"/>
+    </dgm:varLst>
+    <dgm:choose name="Name0">
+      <dgm:if name="Name1" func="var" arg="dir" op="equ" val="norm">
+        <dgm:alg type="lin">
+          <dgm:param type="linDir" val="fromT"/>
+          <dgm:param type="vertAlign" val="mid"/>
+          <dgm:param type="horzAlign" val="l"/>
+          <dgm:param type="nodeHorzAlign" val="l"/>
+        </dgm:alg>
+      </dgm:if>
+      <dgm:else name="Name2">
+        <dgm:alg type="lin">
+          <dgm:param type="linDir" val="fromT"/>
+          <dgm:param type="vertAlign" val="mid"/>
+          <dgm:param type="horzAlign" val="r"/>
+          <dgm:param type="nodeHorzAlign" val="r"/>
+        </dgm:alg>
+      </dgm:else>
+    </dgm:choose>
+    <dgm:shape xmlns:r="http://schemas.openxmlformats.org/officeDocument/2006/relationships" r:blip="">
+      <dgm:adjLst/>
+    </dgm:shape>
+    <dgm:presOf/>
+    <dgm:constrLst>
+      <dgm:constr type="w" for="ch" forName="parentLin" refType="w"/>
+      <dgm:constr type="h" for="ch" forName="parentLin" val="INF"/>
+      <dgm:constr type="w" for="des" forName="parentLeftMargin" refType="w" fact="0.05"/>
+      <dgm:constr type="w" for="des" forName="parentText" refType="w" fact="0.7"/>
+      <dgm:constr type="h" for="des" forName="parentText" refType="primFontSz" refFor="des" refForName="parentText" fact="0.82"/>
+      <dgm:constr type="h" for="ch" forName="negativeSpace" refType="primFontSz" refFor="des" refForName="parentText" fact="-0.41"/>
+      <dgm:constr type="h" for="ch" forName="negativeSpace" refType="h" refFor="des" refForName="parentText" op="lte" fact="-0.82"/>
+      <dgm:constr type="h" for="ch" forName="negativeSpace" refType="h" refFor="des" refForName="parentText" op="gte" fact="-0.82"/>
+      <dgm:constr type="w" for="ch" forName="childText" refType="w"/>
+      <dgm:constr type="h" for="ch" forName="childText" refType="primFontSz" refFor="des" refForName="parentText" fact="0.7"/>
+      <dgm:constr type="primFontSz" for="des" forName="parentText" val="65"/>
+      <dgm:constr type="primFontSz" for="ch" forName="childText" refType="primFontSz" refFor="des" refForName="parentText"/>
+      <dgm:constr type="tMarg" for="ch" forName="childText" refType="primFontSz" refFor="des" refForName="parentText" fact="1.64"/>
+      <dgm:constr type="tMarg" for="ch" forName="childText" refType="h" refFor="des" refForName="parentText" op="lte" fact="3.28"/>
+      <dgm:constr type="tMarg" for="ch" forName="childText" refType="h" refFor="des" refForName="parentText" op="gte" fact="3.28"/>
+      <dgm:constr type="lMarg" for="ch" forName="childText" refType="w" fact="0.22"/>
+      <dgm:constr type="rMarg" for="ch" forName="childText" refType="lMarg" refFor="ch" refForName="childText"/>
+      <dgm:constr type="lMarg" for="des" forName="parentText" refType="w" fact="0.075"/>
+      <dgm:constr type="rMarg" for="des" forName="parentText" refType="lMarg" refFor="des" refForName="parentText"/>
+      <dgm:constr type="h" for="ch" forName="spaceBetweenRectangles" refType="primFontSz" refFor="des" refForName="parentText" fact="0.15"/>
+    </dgm:constrLst>
+    <dgm:ruleLst>
+      <dgm:rule type="primFontSz" for="des" forName="parentText" val="5" fact="NaN" max="NaN"/>
+    </dgm:ruleLst>
+    <dgm:forEach name="Name3" axis="ch" ptType="node">
+      <dgm:layoutNode name="parentLin">
+        <dgm:choose name="Name4">
+          <dgm:if name="Name5" func="var" arg="dir" op="equ" val="norm">
+            <dgm:alg type="lin">
+              <dgm:param type="linDir" val="fromL"/>
+              <dgm:param type="horzAlign" val="l"/>
+              <dgm:param type="nodeHorzAlign" val="l"/>
+            </dgm:alg>
+          </dgm:if>
+          <dgm:else name="Name6">
+            <dgm:alg type="lin">
+              <dgm:param type="linDir" val="fromR"/>
+              <dgm:param type="horzAlign" val="r"/>
+              <dgm:param type="nodeHorzAlign" val="r"/>
+            </dgm:alg>
+          </dgm:else>
+        </dgm:choose>
+        <dgm:shape xmlns:r="http://schemas.openxmlformats.org/officeDocument/2006/relationships" r:blip="">
+          <dgm:adjLst/>
+        </dgm:shape>
+        <dgm:presOf/>
+        <dgm:constrLst/>
+        <dgm:ruleLst/>
+        <dgm:layoutNode name="parentLeftMargin">
+          <dgm:alg type="sp"/>
+          <dgm:shape xmlns:r="http://schemas.openxmlformats.org/officeDocument/2006/relationships" type="rect" r:blip="" hideGeom="1">
+            <dgm:adjLst/>
+          </dgm:shape>
+          <dgm:presOf axis="self"/>
+          <dgm:constrLst>
+            <dgm:constr type="h"/>
+          </dgm:constrLst>
+          <dgm:ruleLst/>
+        </dgm:layoutNode>
+        <dgm:layoutNode name="parentText" styleLbl="node1">
+          <dgm:varLst>
+            <dgm:chMax val="0"/>
+            <dgm:bulletEnabled val="1"/>
+          </dgm:varLst>
+          <dgm:choose name="Name7">
+            <dgm:if name="Name8" func="var" arg="dir" op="equ" val="norm">
+              <dgm:alg type="tx">
+                <dgm:param type="parTxLTRAlign" val="l"/>
+                <dgm:param type="parTxRTLAlign" val="l"/>
+              </dgm:alg>
+            </dgm:if>
+            <dgm:else name="Name9">
+              <dgm:alg type="tx">
+                <dgm:param type="parTxLTRAlign" val="r"/>
+                <dgm:param type="parTxRTLAlign" val="r"/>
+              </dgm:alg>
+            </dgm:else>
+          </dgm:choose>
+          <dgm:shape xmlns:r="http://schemas.openxmlformats.org/officeDocument/2006/relationships" type="roundRect" r:blip="">
+            <dgm:adjLst/>
+          </dgm:shape>
+          <dgm:presOf axis="self" ptType="node"/>
+          <dgm:constrLst>
+            <dgm:constr type="tMarg"/>
+            <dgm:constr type="bMarg"/>
+          </dgm:constrLst>
+          <dgm:ruleLst/>
+        </dgm:layoutNode>
+      </dgm:layoutNode>
+      <dgm:layoutNode name="negativeSpace">
+        <dgm:alg type="sp"/>
+        <dgm:shape xmlns:r="http://schemas.openxmlformats.org/officeDocument/2006/relationships" r:blip="">
+          <dgm:adjLst/>
+        </dgm:shape>
+        <dgm:presOf/>
+        <dgm:constrLst/>
+        <dgm:ruleLst/>
+      </dgm:layoutNode>
+      <dgm:layoutNode name="childText" styleLbl="conFgAcc1">
+        <dgm:varLst>
+          <dgm:bulletEnabled val="1"/>
+        </dgm:varLst>
+        <dgm:alg type="tx">
+          <dgm:param type="stBulletLvl" val="1"/>
+        </dgm:alg>
+        <dgm:shape xmlns:r="http://schemas.openxmlformats.org/officeDocument/2006/relationships" type="rect" r:blip="" zOrderOff="-2">
+          <dgm:adjLst/>
+        </dgm:shape>
+        <dgm:presOf axis="des" ptType="node"/>
+        <dgm:constrLst>
+          <dgm:constr type="secFontSz" refType="primFontSz"/>
+        </dgm:constrLst>
+        <dgm:ruleLst>
+          <dgm:rule type="h" val="INF" fact="NaN" max="NaN"/>
+        </dgm:ruleLst>
+      </dgm:layoutNode>
+      <dgm:forEach name="Name10" axis="followSib" ptType="sibTrans" cnt="1">
+        <dgm:layoutNode name="spaceBetweenRectangles">
+          <dgm:alg type="sp"/>
+          <dgm:shape xmlns:r="http://schemas.openxmlformats.org/officeDocument/2006/relationships" r:blip="">
+            <dgm:adjLst/>
+          </dgm:shape>
+          <dgm:presOf/>
+          <dgm:constrLst/>
+          <dgm:ruleLst/>
+        </dgm:layoutNode>
+      </dgm:forEach>
+    </dgm:forEach>
+  </dgm:layoutNode>
+</dgm:layoutDef>
+</file>
+
+<file path=ppt/diagrams/layout3.xml><?xml version="1.0" encoding="utf-8"?>
 <dgm:layoutDef xmlns:dgm="http://schemas.openxmlformats.org/drawingml/2006/diagram" xmlns:a="http://schemas.openxmlformats.org/drawingml/2006/main" uniqueId="urn:microsoft.com/office/officeart/2018/2/layout/IconVerticalSolidList">
   <dgm:title val="Icon Vertical Solid List"/>
   <dgm:desc val="Use to show a series of visuals from top to bottom with Level 1 or Level 1 and Level 2 text grouped in a shape. Works best with icons or small pictures with lengthier descriptions."/>
@@ -5434,6 +7622,1040 @@
 </file>
 
 <file path=ppt/diagrams/quickStyle2.xml><?xml version="1.0" encoding="utf-8"?>
+<dgm:styleDef xmlns:dgm="http://schemas.openxmlformats.org/drawingml/2006/diagram" xmlns:a="http://schemas.openxmlformats.org/drawingml/2006/main" uniqueId="urn:microsoft.com/office/officeart/2005/8/quickstyle/simple1">
+  <dgm:title val=""/>
+  <dgm:desc val=""/>
+  <dgm:catLst>
+    <dgm:cat type="simple" pri="10100"/>
+  </dgm:catLst>
+  <dgm:scene3d>
+    <a:camera prst="orthographicFront"/>
+    <a:lightRig rig="threePt" dir="t"/>
+  </dgm:scene3d>
+  <dgm:styleLbl name="node0">
+    <dgm:scene3d>
+      <a:camera prst="orthographicFront"/>
+      <a:lightRig rig="threePt" dir="t"/>
+    </dgm:scene3d>
+    <dgm:sp3d/>
+    <dgm:txPr/>
+    <dgm:style>
+      <a:lnRef idx="2">
+        <a:scrgbClr r="0" g="0" b="0"/>
+      </a:lnRef>
+      <a:fillRef idx="1">
+        <a:scrgbClr r="0" g="0" b="0"/>
+      </a:fillRef>
+      <a:effectRef idx="0">
+        <a:scrgbClr r="0" g="0" b="0"/>
+      </a:effectRef>
+      <a:fontRef idx="minor">
+        <a:schemeClr val="lt1"/>
+      </a:fontRef>
+    </dgm:style>
+  </dgm:styleLbl>
+  <dgm:styleLbl name="lnNode1">
+    <dgm:scene3d>
+      <a:camera prst="orthographicFront"/>
+      <a:lightRig rig="threePt" dir="t"/>
+    </dgm:scene3d>
+    <dgm:sp3d/>
+    <dgm:txPr/>
+    <dgm:style>
+      <a:lnRef idx="2">
+        <a:scrgbClr r="0" g="0" b="0"/>
+      </a:lnRef>
+      <a:fillRef idx="1">
+        <a:scrgbClr r="0" g="0" b="0"/>
+      </a:fillRef>
+      <a:effectRef idx="0">
+        <a:scrgbClr r="0" g="0" b="0"/>
+      </a:effectRef>
+      <a:fontRef idx="minor">
+        <a:schemeClr val="lt1"/>
+      </a:fontRef>
+    </dgm:style>
+  </dgm:styleLbl>
+  <dgm:styleLbl name="vennNode1">
+    <dgm:scene3d>
+      <a:camera prst="orthographicFront"/>
+      <a:lightRig rig="threePt" dir="t"/>
+    </dgm:scene3d>
+    <dgm:sp3d/>
+    <dgm:txPr/>
+    <dgm:style>
+      <a:lnRef idx="2">
+        <a:scrgbClr r="0" g="0" b="0"/>
+      </a:lnRef>
+      <a:fillRef idx="1">
+        <a:scrgbClr r="0" g="0" b="0"/>
+      </a:fillRef>
+      <a:effectRef idx="0">
+        <a:scrgbClr r="0" g="0" b="0"/>
+      </a:effectRef>
+      <a:fontRef idx="minor">
+        <a:schemeClr val="tx1"/>
+      </a:fontRef>
+    </dgm:style>
+  </dgm:styleLbl>
+  <dgm:styleLbl name="alignNode1">
+    <dgm:scene3d>
+      <a:camera prst="orthographicFront"/>
+      <a:lightRig rig="threePt" dir="t"/>
+    </dgm:scene3d>
+    <dgm:sp3d/>
+    <dgm:txPr/>
+    <dgm:style>
+      <a:lnRef idx="2">
+        <a:scrgbClr r="0" g="0" b="0"/>
+      </a:lnRef>
+      <a:fillRef idx="1">
+        <a:scrgbClr r="0" g="0" b="0"/>
+      </a:fillRef>
+      <a:effectRef idx="0">
+        <a:scrgbClr r="0" g="0" b="0"/>
+      </a:effectRef>
+      <a:fontRef idx="minor">
+        <a:schemeClr val="lt1"/>
+      </a:fontRef>
+    </dgm:style>
+  </dgm:styleLbl>
+  <dgm:styleLbl name="node1">
+    <dgm:scene3d>
+      <a:camera prst="orthographicFront"/>
+      <a:lightRig rig="threePt" dir="t"/>
+    </dgm:scene3d>
+    <dgm:sp3d/>
+    <dgm:txPr/>
+    <dgm:style>
+      <a:lnRef idx="2">
+        <a:scrgbClr r="0" g="0" b="0"/>
+      </a:lnRef>
+      <a:fillRef idx="1">
+        <a:scrgbClr r="0" g="0" b="0"/>
+      </a:fillRef>
+      <a:effectRef idx="0">
+        <a:scrgbClr r="0" g="0" b="0"/>
+      </a:effectRef>
+      <a:fontRef idx="minor">
+        <a:schemeClr val="lt1"/>
+      </a:fontRef>
+    </dgm:style>
+  </dgm:styleLbl>
+  <dgm:styleLbl name="node2">
+    <dgm:scene3d>
+      <a:camera prst="orthographicFront"/>
+      <a:lightRig rig="threePt" dir="t"/>
+    </dgm:scene3d>
+    <dgm:sp3d/>
+    <dgm:txPr/>
+    <dgm:style>
+      <a:lnRef idx="2">
+        <a:scrgbClr r="0" g="0" b="0"/>
+      </a:lnRef>
+      <a:fillRef idx="1">
+        <a:scrgbClr r="0" g="0" b="0"/>
+      </a:fillRef>
+      <a:effectRef idx="0">
+        <a:scrgbClr r="0" g="0" b="0"/>
+      </a:effectRef>
+      <a:fontRef idx="minor">
+        <a:schemeClr val="lt1"/>
+      </a:fontRef>
+    </dgm:style>
+  </dgm:styleLbl>
+  <dgm:styleLbl name="node3">
+    <dgm:scene3d>
+      <a:camera prst="orthographicFront"/>
+      <a:lightRig rig="threePt" dir="t"/>
+    </dgm:scene3d>
+    <dgm:sp3d/>
+    <dgm:txPr/>
+    <dgm:style>
+      <a:lnRef idx="2">
+        <a:scrgbClr r="0" g="0" b="0"/>
+      </a:lnRef>
+      <a:fillRef idx="1">
+        <a:scrgbClr r="0" g="0" b="0"/>
+      </a:fillRef>
+      <a:effectRef idx="0">
+        <a:scrgbClr r="0" g="0" b="0"/>
+      </a:effectRef>
+      <a:fontRef idx="minor">
+        <a:schemeClr val="lt1"/>
+      </a:fontRef>
+    </dgm:style>
+  </dgm:styleLbl>
+  <dgm:styleLbl name="node4">
+    <dgm:scene3d>
+      <a:camera prst="orthographicFront"/>
+      <a:lightRig rig="threePt" dir="t"/>
+    </dgm:scene3d>
+    <dgm:sp3d/>
+    <dgm:txPr/>
+    <dgm:style>
+      <a:lnRef idx="2">
+        <a:scrgbClr r="0" g="0" b="0"/>
+      </a:lnRef>
+      <a:fillRef idx="1">
+        <a:scrgbClr r="0" g="0" b="0"/>
+      </a:fillRef>
+      <a:effectRef idx="0">
+        <a:scrgbClr r="0" g="0" b="0"/>
+      </a:effectRef>
+      <a:fontRef idx="minor">
+        <a:schemeClr val="lt1"/>
+      </a:fontRef>
+    </dgm:style>
+  </dgm:styleLbl>
+  <dgm:styleLbl name="fgImgPlace1">
+    <dgm:scene3d>
+      <a:camera prst="orthographicFront"/>
+      <a:lightRig rig="threePt" dir="t"/>
+    </dgm:scene3d>
+    <dgm:sp3d/>
+    <dgm:txPr/>
+    <dgm:style>
+      <a:lnRef idx="2">
+        <a:scrgbClr r="0" g="0" b="0"/>
+      </a:lnRef>
+      <a:fillRef idx="1">
+        <a:scrgbClr r="0" g="0" b="0"/>
+      </a:fillRef>
+      <a:effectRef idx="0">
+        <a:scrgbClr r="0" g="0" b="0"/>
+      </a:effectRef>
+      <a:fontRef idx="minor"/>
+    </dgm:style>
+  </dgm:styleLbl>
+  <dgm:styleLbl name="alignImgPlace1">
+    <dgm:scene3d>
+      <a:camera prst="orthographicFront"/>
+      <a:lightRig rig="threePt" dir="t"/>
+    </dgm:scene3d>
+    <dgm:sp3d/>
+    <dgm:txPr/>
+    <dgm:style>
+      <a:lnRef idx="2">
+        <a:scrgbClr r="0" g="0" b="0"/>
+      </a:lnRef>
+      <a:fillRef idx="1">
+        <a:scrgbClr r="0" g="0" b="0"/>
+      </a:fillRef>
+      <a:effectRef idx="0">
+        <a:scrgbClr r="0" g="0" b="0"/>
+      </a:effectRef>
+      <a:fontRef idx="minor"/>
+    </dgm:style>
+  </dgm:styleLbl>
+  <dgm:styleLbl name="bgImgPlace1">
+    <dgm:scene3d>
+      <a:camera prst="orthographicFront"/>
+      <a:lightRig rig="threePt" dir="t"/>
+    </dgm:scene3d>
+    <dgm:sp3d/>
+    <dgm:txPr/>
+    <dgm:style>
+      <a:lnRef idx="2">
+        <a:scrgbClr r="0" g="0" b="0"/>
+      </a:lnRef>
+      <a:fillRef idx="1">
+        <a:scrgbClr r="0" g="0" b="0"/>
+      </a:fillRef>
+      <a:effectRef idx="0">
+        <a:scrgbClr r="0" g="0" b="0"/>
+      </a:effectRef>
+      <a:fontRef idx="minor"/>
+    </dgm:style>
+  </dgm:styleLbl>
+  <dgm:styleLbl name="sibTrans2D1">
+    <dgm:scene3d>
+      <a:camera prst="orthographicFront"/>
+      <a:lightRig rig="threePt" dir="t"/>
+    </dgm:scene3d>
+    <dgm:sp3d/>
+    <dgm:txPr/>
+    <dgm:style>
+      <a:lnRef idx="0">
+        <a:scrgbClr r="0" g="0" b="0"/>
+      </a:lnRef>
+      <a:fillRef idx="1">
+        <a:scrgbClr r="0" g="0" b="0"/>
+      </a:fillRef>
+      <a:effectRef idx="0">
+        <a:scrgbClr r="0" g="0" b="0"/>
+      </a:effectRef>
+      <a:fontRef idx="minor">
+        <a:schemeClr val="lt1"/>
+      </a:fontRef>
+    </dgm:style>
+  </dgm:styleLbl>
+  <dgm:styleLbl name="fgSibTrans2D1">
+    <dgm:scene3d>
+      <a:camera prst="orthographicFront"/>
+      <a:lightRig rig="threePt" dir="t"/>
+    </dgm:scene3d>
+    <dgm:sp3d/>
+    <dgm:txPr/>
+    <dgm:style>
+      <a:lnRef idx="0">
+        <a:scrgbClr r="0" g="0" b="0"/>
+      </a:lnRef>
+      <a:fillRef idx="1">
+        <a:scrgbClr r="0" g="0" b="0"/>
+      </a:fillRef>
+      <a:effectRef idx="0">
+        <a:scrgbClr r="0" g="0" b="0"/>
+      </a:effectRef>
+      <a:fontRef idx="minor">
+        <a:schemeClr val="lt1"/>
+      </a:fontRef>
+    </dgm:style>
+  </dgm:styleLbl>
+  <dgm:styleLbl name="bgSibTrans2D1">
+    <dgm:scene3d>
+      <a:camera prst="orthographicFront"/>
+      <a:lightRig rig="threePt" dir="t"/>
+    </dgm:scene3d>
+    <dgm:sp3d/>
+    <dgm:txPr/>
+    <dgm:style>
+      <a:lnRef idx="0">
+        <a:scrgbClr r="0" g="0" b="0"/>
+      </a:lnRef>
+      <a:fillRef idx="1">
+        <a:scrgbClr r="0" g="0" b="0"/>
+      </a:fillRef>
+      <a:effectRef idx="0">
+        <a:scrgbClr r="0" g="0" b="0"/>
+      </a:effectRef>
+      <a:fontRef idx="minor">
+        <a:schemeClr val="lt1"/>
+      </a:fontRef>
+    </dgm:style>
+  </dgm:styleLbl>
+  <dgm:styleLbl name="sibTrans1D1">
+    <dgm:scene3d>
+      <a:camera prst="orthographicFront"/>
+      <a:lightRig rig="threePt" dir="t"/>
+    </dgm:scene3d>
+    <dgm:sp3d/>
+    <dgm:txPr/>
+    <dgm:style>
+      <a:lnRef idx="1">
+        <a:scrgbClr r="0" g="0" b="0"/>
+      </a:lnRef>
+      <a:fillRef idx="0">
+        <a:scrgbClr r="0" g="0" b="0"/>
+      </a:fillRef>
+      <a:effectRef idx="0">
+        <a:scrgbClr r="0" g="0" b="0"/>
+      </a:effectRef>
+      <a:fontRef idx="minor"/>
+    </dgm:style>
+  </dgm:styleLbl>
+  <dgm:styleLbl name="callout">
+    <dgm:scene3d>
+      <a:camera prst="orthographicFront"/>
+      <a:lightRig rig="threePt" dir="t"/>
+    </dgm:scene3d>
+    <dgm:sp3d/>
+    <dgm:txPr/>
+    <dgm:style>
+      <a:lnRef idx="2">
+        <a:scrgbClr r="0" g="0" b="0"/>
+      </a:lnRef>
+      <a:fillRef idx="1">
+        <a:scrgbClr r="0" g="0" b="0"/>
+      </a:fillRef>
+      <a:effectRef idx="0">
+        <a:scrgbClr r="0" g="0" b="0"/>
+      </a:effectRef>
+      <a:fontRef idx="minor"/>
+    </dgm:style>
+  </dgm:styleLbl>
+  <dgm:styleLbl name="asst0">
+    <dgm:scene3d>
+      <a:camera prst="orthographicFront"/>
+      <a:lightRig rig="threePt" dir="t"/>
+    </dgm:scene3d>
+    <dgm:sp3d/>
+    <dgm:txPr/>
+    <dgm:style>
+      <a:lnRef idx="2">
+        <a:scrgbClr r="0" g="0" b="0"/>
+      </a:lnRef>
+      <a:fillRef idx="1">
+        <a:scrgbClr r="0" g="0" b="0"/>
+      </a:fillRef>
+      <a:effectRef idx="0">
+        <a:scrgbClr r="0" g="0" b="0"/>
+      </a:effectRef>
+      <a:fontRef idx="minor">
+        <a:schemeClr val="lt1"/>
+      </a:fontRef>
+    </dgm:style>
+  </dgm:styleLbl>
+  <dgm:styleLbl name="asst1">
+    <dgm:scene3d>
+      <a:camera prst="orthographicFront"/>
+      <a:lightRig rig="threePt" dir="t"/>
+    </dgm:scene3d>
+    <dgm:sp3d/>
+    <dgm:txPr/>
+    <dgm:style>
+      <a:lnRef idx="2">
+        <a:scrgbClr r="0" g="0" b="0"/>
+      </a:lnRef>
+      <a:fillRef idx="1">
+        <a:scrgbClr r="0" g="0" b="0"/>
+      </a:fillRef>
+      <a:effectRef idx="0">
+        <a:scrgbClr r="0" g="0" b="0"/>
+      </a:effectRef>
+      <a:fontRef idx="minor">
+        <a:schemeClr val="lt1"/>
+      </a:fontRef>
+    </dgm:style>
+  </dgm:styleLbl>
+  <dgm:styleLbl name="asst2">
+    <dgm:scene3d>
+      <a:camera prst="orthographicFront"/>
+      <a:lightRig rig="threePt" dir="t"/>
+    </dgm:scene3d>
+    <dgm:sp3d/>
+    <dgm:txPr/>
+    <dgm:style>
+      <a:lnRef idx="2">
+        <a:scrgbClr r="0" g="0" b="0"/>
+      </a:lnRef>
+      <a:fillRef idx="1">
+        <a:scrgbClr r="0" g="0" b="0"/>
+      </a:fillRef>
+      <a:effectRef idx="0">
+        <a:scrgbClr r="0" g="0" b="0"/>
+      </a:effectRef>
+      <a:fontRef idx="minor">
+        <a:schemeClr val="lt1"/>
+      </a:fontRef>
+    </dgm:style>
+  </dgm:styleLbl>
+  <dgm:styleLbl name="asst3">
+    <dgm:scene3d>
+      <a:camera prst="orthographicFront"/>
+      <a:lightRig rig="threePt" dir="t"/>
+    </dgm:scene3d>
+    <dgm:sp3d/>
+    <dgm:txPr/>
+    <dgm:style>
+      <a:lnRef idx="2">
+        <a:scrgbClr r="0" g="0" b="0"/>
+      </a:lnRef>
+      <a:fillRef idx="1">
+        <a:scrgbClr r="0" g="0" b="0"/>
+      </a:fillRef>
+      <a:effectRef idx="0">
+        <a:scrgbClr r="0" g="0" b="0"/>
+      </a:effectRef>
+      <a:fontRef idx="minor">
+        <a:schemeClr val="lt1"/>
+      </a:fontRef>
+    </dgm:style>
+  </dgm:styleLbl>
+  <dgm:styleLbl name="asst4">
+    <dgm:scene3d>
+      <a:camera prst="orthographicFront"/>
+      <a:lightRig rig="threePt" dir="t"/>
+    </dgm:scene3d>
+    <dgm:sp3d/>
+    <dgm:txPr/>
+    <dgm:style>
+      <a:lnRef idx="2">
+        <a:scrgbClr r="0" g="0" b="0"/>
+      </a:lnRef>
+      <a:fillRef idx="1">
+        <a:scrgbClr r="0" g="0" b="0"/>
+      </a:fillRef>
+      <a:effectRef idx="0">
+        <a:scrgbClr r="0" g="0" b="0"/>
+      </a:effectRef>
+      <a:fontRef idx="minor">
+        <a:schemeClr val="lt1"/>
+      </a:fontRef>
+    </dgm:style>
+  </dgm:styleLbl>
+  <dgm:styleLbl name="parChTrans2D1">
+    <dgm:scene3d>
+      <a:camera prst="orthographicFront"/>
+      <a:lightRig rig="threePt" dir="t"/>
+    </dgm:scene3d>
+    <dgm:sp3d/>
+    <dgm:txPr/>
+    <dgm:style>
+      <a:lnRef idx="2">
+        <a:scrgbClr r="0" g="0" b="0"/>
+      </a:lnRef>
+      <a:fillRef idx="1">
+        <a:scrgbClr r="0" g="0" b="0"/>
+      </a:fillRef>
+      <a:effectRef idx="0">
+        <a:scrgbClr r="0" g="0" b="0"/>
+      </a:effectRef>
+      <a:fontRef idx="minor">
+        <a:schemeClr val="lt1"/>
+      </a:fontRef>
+    </dgm:style>
+  </dgm:styleLbl>
+  <dgm:styleLbl name="parChTrans2D2">
+    <dgm:scene3d>
+      <a:camera prst="orthographicFront"/>
+      <a:lightRig rig="threePt" dir="t"/>
+    </dgm:scene3d>
+    <dgm:sp3d/>
+    <dgm:txPr/>
+    <dgm:style>
+      <a:lnRef idx="2">
+        <a:scrgbClr r="0" g="0" b="0"/>
+      </a:lnRef>
+      <a:fillRef idx="1">
+        <a:scrgbClr r="0" g="0" b="0"/>
+      </a:fillRef>
+      <a:effectRef idx="0">
+        <a:scrgbClr r="0" g="0" b="0"/>
+      </a:effectRef>
+      <a:fontRef idx="minor">
+        <a:schemeClr val="lt1"/>
+      </a:fontRef>
+    </dgm:style>
+  </dgm:styleLbl>
+  <dgm:styleLbl name="parChTrans2D3">
+    <dgm:scene3d>
+      <a:camera prst="orthographicFront"/>
+      <a:lightRig rig="threePt" dir="t"/>
+    </dgm:scene3d>
+    <dgm:sp3d/>
+    <dgm:txPr/>
+    <dgm:style>
+      <a:lnRef idx="2">
+        <a:scrgbClr r="0" g="0" b="0"/>
+      </a:lnRef>
+      <a:fillRef idx="1">
+        <a:scrgbClr r="0" g="0" b="0"/>
+      </a:fillRef>
+      <a:effectRef idx="0">
+        <a:scrgbClr r="0" g="0" b="0"/>
+      </a:effectRef>
+      <a:fontRef idx="minor">
+        <a:schemeClr val="lt1"/>
+      </a:fontRef>
+    </dgm:style>
+  </dgm:styleLbl>
+  <dgm:styleLbl name="parChTrans2D4">
+    <dgm:scene3d>
+      <a:camera prst="orthographicFront"/>
+      <a:lightRig rig="threePt" dir="t"/>
+    </dgm:scene3d>
+    <dgm:sp3d/>
+    <dgm:txPr/>
+    <dgm:style>
+      <a:lnRef idx="2">
+        <a:scrgbClr r="0" g="0" b="0"/>
+      </a:lnRef>
+      <a:fillRef idx="1">
+        <a:scrgbClr r="0" g="0" b="0"/>
+      </a:fillRef>
+      <a:effectRef idx="0">
+        <a:scrgbClr r="0" g="0" b="0"/>
+      </a:effectRef>
+      <a:fontRef idx="minor">
+        <a:schemeClr val="lt1"/>
+      </a:fontRef>
+    </dgm:style>
+  </dgm:styleLbl>
+  <dgm:styleLbl name="parChTrans1D1">
+    <dgm:scene3d>
+      <a:camera prst="orthographicFront"/>
+      <a:lightRig rig="threePt" dir="t"/>
+    </dgm:scene3d>
+    <dgm:sp3d/>
+    <dgm:txPr/>
+    <dgm:style>
+      <a:lnRef idx="2">
+        <a:scrgbClr r="0" g="0" b="0"/>
+      </a:lnRef>
+      <a:fillRef idx="0">
+        <a:scrgbClr r="0" g="0" b="0"/>
+      </a:fillRef>
+      <a:effectRef idx="0">
+        <a:scrgbClr r="0" g="0" b="0"/>
+      </a:effectRef>
+      <a:fontRef idx="minor"/>
+    </dgm:style>
+  </dgm:styleLbl>
+  <dgm:styleLbl name="parChTrans1D2">
+    <dgm:scene3d>
+      <a:camera prst="orthographicFront"/>
+      <a:lightRig rig="threePt" dir="t"/>
+    </dgm:scene3d>
+    <dgm:sp3d/>
+    <dgm:txPr/>
+    <dgm:style>
+      <a:lnRef idx="2">
+        <a:scrgbClr r="0" g="0" b="0"/>
+      </a:lnRef>
+      <a:fillRef idx="0">
+        <a:scrgbClr r="0" g="0" b="0"/>
+      </a:fillRef>
+      <a:effectRef idx="0">
+        <a:scrgbClr r="0" g="0" b="0"/>
+      </a:effectRef>
+      <a:fontRef idx="minor"/>
+    </dgm:style>
+  </dgm:styleLbl>
+  <dgm:styleLbl name="parChTrans1D3">
+    <dgm:scene3d>
+      <a:camera prst="orthographicFront"/>
+      <a:lightRig rig="threePt" dir="t"/>
+    </dgm:scene3d>
+    <dgm:sp3d/>
+    <dgm:txPr/>
+    <dgm:style>
+      <a:lnRef idx="2">
+        <a:scrgbClr r="0" g="0" b="0"/>
+      </a:lnRef>
+      <a:fillRef idx="0">
+        <a:scrgbClr r="0" g="0" b="0"/>
+      </a:fillRef>
+      <a:effectRef idx="0">
+        <a:scrgbClr r="0" g="0" b="0"/>
+      </a:effectRef>
+      <a:fontRef idx="minor"/>
+    </dgm:style>
+  </dgm:styleLbl>
+  <dgm:styleLbl name="parChTrans1D4">
+    <dgm:scene3d>
+      <a:camera prst="orthographicFront"/>
+      <a:lightRig rig="threePt" dir="t"/>
+    </dgm:scene3d>
+    <dgm:sp3d/>
+    <dgm:txPr/>
+    <dgm:style>
+      <a:lnRef idx="2">
+        <a:scrgbClr r="0" g="0" b="0"/>
+      </a:lnRef>
+      <a:fillRef idx="0">
+        <a:scrgbClr r="0" g="0" b="0"/>
+      </a:fillRef>
+      <a:effectRef idx="0">
+        <a:scrgbClr r="0" g="0" b="0"/>
+      </a:effectRef>
+      <a:fontRef idx="minor"/>
+    </dgm:style>
+  </dgm:styleLbl>
+  <dgm:styleLbl name="fgAcc1">
+    <dgm:scene3d>
+      <a:camera prst="orthographicFront"/>
+      <a:lightRig rig="threePt" dir="t"/>
+    </dgm:scene3d>
+    <dgm:sp3d/>
+    <dgm:txPr/>
+    <dgm:style>
+      <a:lnRef idx="2">
+        <a:scrgbClr r="0" g="0" b="0"/>
+      </a:lnRef>
+      <a:fillRef idx="1">
+        <a:scrgbClr r="0" g="0" b="0"/>
+      </a:fillRef>
+      <a:effectRef idx="0">
+        <a:scrgbClr r="0" g="0" b="0"/>
+      </a:effectRef>
+      <a:fontRef idx="minor"/>
+    </dgm:style>
+  </dgm:styleLbl>
+  <dgm:styleLbl name="conFgAcc1">
+    <dgm:scene3d>
+      <a:camera prst="orthographicFront"/>
+      <a:lightRig rig="threePt" dir="t"/>
+    </dgm:scene3d>
+    <dgm:sp3d/>
+    <dgm:txPr/>
+    <dgm:style>
+      <a:lnRef idx="2">
+        <a:scrgbClr r="0" g="0" b="0"/>
+      </a:lnRef>
+      <a:fillRef idx="1">
+        <a:scrgbClr r="0" g="0" b="0"/>
+      </a:fillRef>
+      <a:effectRef idx="0">
+        <a:scrgbClr r="0" g="0" b="0"/>
+      </a:effectRef>
+      <a:fontRef idx="minor"/>
+    </dgm:style>
+  </dgm:styleLbl>
+  <dgm:styleLbl name="alignAcc1">
+    <dgm:scene3d>
+      <a:camera prst="orthographicFront"/>
+      <a:lightRig rig="threePt" dir="t"/>
+    </dgm:scene3d>
+    <dgm:sp3d/>
+    <dgm:txPr/>
+    <dgm:style>
+      <a:lnRef idx="2">
+        <a:scrgbClr r="0" g="0" b="0"/>
+      </a:lnRef>
+      <a:fillRef idx="1">
+        <a:scrgbClr r="0" g="0" b="0"/>
+      </a:fillRef>
+      <a:effectRef idx="0">
+        <a:scrgbClr r="0" g="0" b="0"/>
+      </a:effectRef>
+      <a:fontRef idx="minor"/>
+    </dgm:style>
+  </dgm:styleLbl>
+  <dgm:styleLbl name="trAlignAcc1">
+    <dgm:scene3d>
+      <a:camera prst="orthographicFront"/>
+      <a:lightRig rig="threePt" dir="t"/>
+    </dgm:scene3d>
+    <dgm:sp3d/>
+    <dgm:txPr/>
+    <dgm:style>
+      <a:lnRef idx="1">
+        <a:scrgbClr r="0" g="0" b="0"/>
+      </a:lnRef>
+      <a:fillRef idx="1">
+        <a:scrgbClr r="0" g="0" b="0"/>
+      </a:fillRef>
+      <a:effectRef idx="0">
+        <a:scrgbClr r="0" g="0" b="0"/>
+      </a:effectRef>
+      <a:fontRef idx="minor"/>
+    </dgm:style>
+  </dgm:styleLbl>
+  <dgm:styleLbl name="bgAcc1">
+    <dgm:scene3d>
+      <a:camera prst="orthographicFront"/>
+      <a:lightRig rig="threePt" dir="t"/>
+    </dgm:scene3d>
+    <dgm:sp3d/>
+    <dgm:txPr/>
+    <dgm:style>
+      <a:lnRef idx="2">
+        <a:scrgbClr r="0" g="0" b="0"/>
+      </a:lnRef>
+      <a:fillRef idx="1">
+        <a:scrgbClr r="0" g="0" b="0"/>
+      </a:fillRef>
+      <a:effectRef idx="0">
+        <a:scrgbClr r="0" g="0" b="0"/>
+      </a:effectRef>
+      <a:fontRef idx="minor"/>
+    </dgm:style>
+  </dgm:styleLbl>
+  <dgm:styleLbl name="solidFgAcc1">
+    <dgm:scene3d>
+      <a:camera prst="orthographicFront"/>
+      <a:lightRig rig="threePt" dir="t"/>
+    </dgm:scene3d>
+    <dgm:sp3d/>
+    <dgm:txPr/>
+    <dgm:style>
+      <a:lnRef idx="2">
+        <a:scrgbClr r="0" g="0" b="0"/>
+      </a:lnRef>
+      <a:fillRef idx="1">
+        <a:scrgbClr r="0" g="0" b="0"/>
+      </a:fillRef>
+      <a:effectRef idx="0">
+        <a:scrgbClr r="0" g="0" b="0"/>
+      </a:effectRef>
+      <a:fontRef idx="minor"/>
+    </dgm:style>
+  </dgm:styleLbl>
+  <dgm:styleLbl name="solidAlignAcc1">
+    <dgm:scene3d>
+      <a:camera prst="orthographicFront"/>
+      <a:lightRig rig="threePt" dir="t"/>
+    </dgm:scene3d>
+    <dgm:sp3d/>
+    <dgm:txPr/>
+    <dgm:style>
+      <a:lnRef idx="2">
+        <a:scrgbClr r="0" g="0" b="0"/>
+      </a:lnRef>
+      <a:fillRef idx="1">
+        <a:scrgbClr r="0" g="0" b="0"/>
+      </a:fillRef>
+      <a:effectRef idx="0">
+        <a:scrgbClr r="0" g="0" b="0"/>
+      </a:effectRef>
+      <a:fontRef idx="minor"/>
+    </dgm:style>
+  </dgm:styleLbl>
+  <dgm:styleLbl name="solidBgAcc1">
+    <dgm:scene3d>
+      <a:camera prst="orthographicFront"/>
+      <a:lightRig rig="threePt" dir="t"/>
+    </dgm:scene3d>
+    <dgm:sp3d/>
+    <dgm:txPr/>
+    <dgm:style>
+      <a:lnRef idx="2">
+        <a:scrgbClr r="0" g="0" b="0"/>
+      </a:lnRef>
+      <a:fillRef idx="1">
+        <a:scrgbClr r="0" g="0" b="0"/>
+      </a:fillRef>
+      <a:effectRef idx="0">
+        <a:scrgbClr r="0" g="0" b="0"/>
+      </a:effectRef>
+      <a:fontRef idx="minor"/>
+    </dgm:style>
+  </dgm:styleLbl>
+  <dgm:styleLbl name="fgAccFollowNode1">
+    <dgm:scene3d>
+      <a:camera prst="orthographicFront"/>
+      <a:lightRig rig="threePt" dir="t"/>
+    </dgm:scene3d>
+    <dgm:sp3d/>
+    <dgm:txPr/>
+    <dgm:style>
+      <a:lnRef idx="2">
+        <a:scrgbClr r="0" g="0" b="0"/>
+      </a:lnRef>
+      <a:fillRef idx="1">
+        <a:scrgbClr r="0" g="0" b="0"/>
+      </a:fillRef>
+      <a:effectRef idx="0">
+        <a:scrgbClr r="0" g="0" b="0"/>
+      </a:effectRef>
+      <a:fontRef idx="minor"/>
+    </dgm:style>
+  </dgm:styleLbl>
+  <dgm:styleLbl name="alignAccFollowNode1">
+    <dgm:scene3d>
+      <a:camera prst="orthographicFront"/>
+      <a:lightRig rig="threePt" dir="t"/>
+    </dgm:scene3d>
+    <dgm:sp3d/>
+    <dgm:txPr/>
+    <dgm:style>
+      <a:lnRef idx="2">
+        <a:scrgbClr r="0" g="0" b="0"/>
+      </a:lnRef>
+      <a:fillRef idx="1">
+        <a:scrgbClr r="0" g="0" b="0"/>
+      </a:fillRef>
+      <a:effectRef idx="0">
+        <a:scrgbClr r="0" g="0" b="0"/>
+      </a:effectRef>
+      <a:fontRef idx="minor"/>
+    </dgm:style>
+  </dgm:styleLbl>
+  <dgm:styleLbl name="bgAccFollowNode1">
+    <dgm:scene3d>
+      <a:camera prst="orthographicFront"/>
+      <a:lightRig rig="threePt" dir="t"/>
+    </dgm:scene3d>
+    <dgm:sp3d/>
+    <dgm:txPr/>
+    <dgm:style>
+      <a:lnRef idx="2">
+        <a:scrgbClr r="0" g="0" b="0"/>
+      </a:lnRef>
+      <a:fillRef idx="1">
+        <a:scrgbClr r="0" g="0" b="0"/>
+      </a:fillRef>
+      <a:effectRef idx="0">
+        <a:scrgbClr r="0" g="0" b="0"/>
+      </a:effectRef>
+      <a:fontRef idx="minor"/>
+    </dgm:style>
+  </dgm:styleLbl>
+  <dgm:styleLbl name="fgAcc0">
+    <dgm:scene3d>
+      <a:camera prst="orthographicFront"/>
+      <a:lightRig rig="threePt" dir="t"/>
+    </dgm:scene3d>
+    <dgm:sp3d/>
+    <dgm:txPr/>
+    <dgm:style>
+      <a:lnRef idx="2">
+        <a:scrgbClr r="0" g="0" b="0"/>
+      </a:lnRef>
+      <a:fillRef idx="1">
+        <a:scrgbClr r="0" g="0" b="0"/>
+      </a:fillRef>
+      <a:effectRef idx="0">
+        <a:scrgbClr r="0" g="0" b="0"/>
+      </a:effectRef>
+      <a:fontRef idx="minor"/>
+    </dgm:style>
+  </dgm:styleLbl>
+  <dgm:styleLbl name="fgAcc2">
+    <dgm:scene3d>
+      <a:camera prst="orthographicFront"/>
+      <a:lightRig rig="threePt" dir="t"/>
+    </dgm:scene3d>
+    <dgm:sp3d/>
+    <dgm:txPr/>
+    <dgm:style>
+      <a:lnRef idx="2">
+        <a:scrgbClr r="0" g="0" b="0"/>
+      </a:lnRef>
+      <a:fillRef idx="1">
+        <a:scrgbClr r="0" g="0" b="0"/>
+      </a:fillRef>
+      <a:effectRef idx="0">
+        <a:scrgbClr r="0" g="0" b="0"/>
+      </a:effectRef>
+      <a:fontRef idx="minor"/>
+    </dgm:style>
+  </dgm:styleLbl>
+  <dgm:styleLbl name="fgAcc3">
+    <dgm:scene3d>
+      <a:camera prst="orthographicFront"/>
+      <a:lightRig rig="threePt" dir="t"/>
+    </dgm:scene3d>
+    <dgm:sp3d/>
+    <dgm:txPr/>
+    <dgm:style>
+      <a:lnRef idx="2">
+        <a:scrgbClr r="0" g="0" b="0"/>
+      </a:lnRef>
+      <a:fillRef idx="1">
+        <a:scrgbClr r="0" g="0" b="0"/>
+      </a:fillRef>
+      <a:effectRef idx="0">
+        <a:scrgbClr r="0" g="0" b="0"/>
+      </a:effectRef>
+      <a:fontRef idx="minor"/>
+    </dgm:style>
+  </dgm:styleLbl>
+  <dgm:styleLbl name="fgAcc4">
+    <dgm:scene3d>
+      <a:camera prst="orthographicFront"/>
+      <a:lightRig rig="threePt" dir="t"/>
+    </dgm:scene3d>
+    <dgm:sp3d/>
+    <dgm:txPr/>
+    <dgm:style>
+      <a:lnRef idx="2">
+        <a:scrgbClr r="0" g="0" b="0"/>
+      </a:lnRef>
+      <a:fillRef idx="1">
+        <a:scrgbClr r="0" g="0" b="0"/>
+      </a:fillRef>
+      <a:effectRef idx="0">
+        <a:scrgbClr r="0" g="0" b="0"/>
+      </a:effectRef>
+      <a:fontRef idx="minor"/>
+    </dgm:style>
+  </dgm:styleLbl>
+  <dgm:styleLbl name="bgShp">
+    <dgm:scene3d>
+      <a:camera prst="orthographicFront"/>
+      <a:lightRig rig="threePt" dir="t"/>
+    </dgm:scene3d>
+    <dgm:sp3d/>
+    <dgm:txPr/>
+    <dgm:style>
+      <a:lnRef idx="0">
+        <a:scrgbClr r="0" g="0" b="0"/>
+      </a:lnRef>
+      <a:fillRef idx="1">
+        <a:scrgbClr r="0" g="0" b="0"/>
+      </a:fillRef>
+      <a:effectRef idx="0">
+        <a:scrgbClr r="0" g="0" b="0"/>
+      </a:effectRef>
+      <a:fontRef idx="minor"/>
+    </dgm:style>
+  </dgm:styleLbl>
+  <dgm:styleLbl name="dkBgShp">
+    <dgm:scene3d>
+      <a:camera prst="orthographicFront"/>
+      <a:lightRig rig="threePt" dir="t"/>
+    </dgm:scene3d>
+    <dgm:sp3d/>
+    <dgm:txPr/>
+    <dgm:style>
+      <a:lnRef idx="0">
+        <a:scrgbClr r="0" g="0" b="0"/>
+      </a:lnRef>
+      <a:fillRef idx="1">
+        <a:scrgbClr r="0" g="0" b="0"/>
+      </a:fillRef>
+      <a:effectRef idx="0">
+        <a:scrgbClr r="0" g="0" b="0"/>
+      </a:effectRef>
+      <a:fontRef idx="minor"/>
+    </dgm:style>
+  </dgm:styleLbl>
+  <dgm:styleLbl name="trBgShp">
+    <dgm:scene3d>
+      <a:camera prst="orthographicFront"/>
+      <a:lightRig rig="threePt" dir="t"/>
+    </dgm:scene3d>
+    <dgm:sp3d/>
+    <dgm:txPr/>
+    <dgm:style>
+      <a:lnRef idx="0">
+        <a:scrgbClr r="0" g="0" b="0"/>
+      </a:lnRef>
+      <a:fillRef idx="1">
+        <a:scrgbClr r="0" g="0" b="0"/>
+      </a:fillRef>
+      <a:effectRef idx="0">
+        <a:scrgbClr r="0" g="0" b="0"/>
+      </a:effectRef>
+      <a:fontRef idx="minor"/>
+    </dgm:style>
+  </dgm:styleLbl>
+  <dgm:styleLbl name="fgShp">
+    <dgm:scene3d>
+      <a:camera prst="orthographicFront"/>
+      <a:lightRig rig="threePt" dir="t"/>
+    </dgm:scene3d>
+    <dgm:sp3d/>
+    <dgm:txPr/>
+    <dgm:style>
+      <a:lnRef idx="2">
+        <a:scrgbClr r="0" g="0" b="0"/>
+      </a:lnRef>
+      <a:fillRef idx="1">
+        <a:scrgbClr r="0" g="0" b="0"/>
+      </a:fillRef>
+      <a:effectRef idx="0">
+        <a:scrgbClr r="0" g="0" b="0"/>
+      </a:effectRef>
+      <a:fontRef idx="minor"/>
+    </dgm:style>
+  </dgm:styleLbl>
+  <dgm:styleLbl name="revTx">
+    <dgm:scene3d>
+      <a:camera prst="orthographicFront"/>
+      <a:lightRig rig="threePt" dir="t"/>
+    </dgm:scene3d>
+    <dgm:sp3d/>
+    <dgm:txPr/>
+    <dgm:style>
+      <a:lnRef idx="0">
+        <a:scrgbClr r="0" g="0" b="0"/>
+      </a:lnRef>
+      <a:fillRef idx="0">
+        <a:scrgbClr r="0" g="0" b="0"/>
+      </a:fillRef>
+      <a:effectRef idx="0">
+        <a:scrgbClr r="0" g="0" b="0"/>
+      </a:effectRef>
+      <a:fontRef idx="minor"/>
+    </dgm:style>
+  </dgm:styleLbl>
+</dgm:styleDef>
+</file>
+
+<file path=ppt/diagrams/quickStyle3.xml><?xml version="1.0" encoding="utf-8"?>
 <dgm:styleDef xmlns:dgm="http://schemas.openxmlformats.org/drawingml/2006/diagram" xmlns:a="http://schemas.openxmlformats.org/drawingml/2006/main" uniqueId="urn:microsoft.com/office/officeart/2005/8/quickstyle/simple1">
   <dgm:title val=""/>
   <dgm:desc val=""/>
@@ -13564,8 +16786,8 @@
           </a:p>
         </p:txBody>
       </p:sp>
-      <mc:AlternateContent xmlns:mc="http://schemas.openxmlformats.org/markup-compatibility/2006">
-        <mc:Choice xmlns:a14="http://schemas.microsoft.com/office/drawing/2010/main" Requires="a14">
+      <mc:AlternateContent xmlns:mc="http://schemas.openxmlformats.org/markup-compatibility/2006" xmlns:a14="http://schemas.microsoft.com/office/drawing/2010/main">
+        <mc:Choice Requires="a14">
           <p:sp>
             <p:nvSpPr>
               <p:cNvPr id="3" name="内容占位符 2">
@@ -13751,7 +16973,7 @@
             </p:txBody>
           </p:sp>
         </mc:Choice>
-        <mc:Fallback>
+        <mc:Fallback xmlns="">
           <p:sp>
             <p:nvSpPr>
               <p:cNvPr id="3" name="内容占位符 2">
@@ -14480,8 +17702,8 @@
           </a:p>
         </p:txBody>
       </p:sp>
-      <mc:AlternateContent xmlns:mc="http://schemas.openxmlformats.org/markup-compatibility/2006">
-        <mc:Choice xmlns:a14="http://schemas.microsoft.com/office/drawing/2010/main" Requires="a14">
+      <mc:AlternateContent xmlns:mc="http://schemas.openxmlformats.org/markup-compatibility/2006" xmlns:a14="http://schemas.microsoft.com/office/drawing/2010/main">
+        <mc:Choice Requires="a14">
           <p:sp>
             <p:nvSpPr>
               <p:cNvPr id="3" name="内容占位符 2">
@@ -14750,7 +17972,7 @@
             </p:txBody>
           </p:sp>
         </mc:Choice>
-        <mc:Fallback>
+        <mc:Fallback xmlns="">
           <p:sp>
             <p:nvSpPr>
               <p:cNvPr id="3" name="内容占位符 2">
@@ -17263,6 +20485,20 @@
               <a:rPr lang="en-US" dirty="0"/>
               <a:t>Variables</a:t>
             </a:r>
+            <a:br>
+              <a:rPr lang="en-US" dirty="0"/>
+            </a:br>
+            <a:r>
+              <a:rPr lang="en-US" dirty="0"/>
+              <a:t>&amp;</a:t>
+            </a:r>
+            <a:br>
+              <a:rPr lang="en-US" dirty="0"/>
+            </a:br>
+            <a:r>
+              <a:rPr lang="en-US" dirty="0"/>
+              <a:t>Methods</a:t>
+            </a:r>
           </a:p>
         </p:txBody>
       </p:sp>
@@ -17360,32 +20596,61 @@
       </p:sp>
       <p:graphicFrame>
         <p:nvGraphicFramePr>
-          <p:cNvPr id="28" name="内容占位符 2">
+          <p:cNvPr id="9" name="内容占位符 2">
             <a:extLst>
               <a:ext uri="{FF2B5EF4-FFF2-40B4-BE49-F238E27FC236}">
-                <a16:creationId xmlns:a16="http://schemas.microsoft.com/office/drawing/2014/main" id="{45C32198-2255-4EE0-B6FB-D679AD59C4AB}"/>
+                <a16:creationId xmlns:a16="http://schemas.microsoft.com/office/drawing/2014/main" id="{59801F5F-9113-4263-9451-E1EF20C191C5}"/>
               </a:ext>
             </a:extLst>
           </p:cNvPr>
           <p:cNvGraphicFramePr>
-            <a:graphicFrameLocks noGrp="1"/>
+            <a:graphicFrameLocks/>
           </p:cNvGraphicFramePr>
           <p:nvPr>
-            <p:ph idx="1"/>
             <p:extLst>
               <p:ext uri="{D42A27DB-BD31-4B8C-83A1-F6EECF244321}">
-                <p14:modId xmlns:p14="http://schemas.microsoft.com/office/powerpoint/2010/main" val="3557646714"/>
+                <p14:modId xmlns:p14="http://schemas.microsoft.com/office/powerpoint/2010/main" val="2996670985"/>
               </p:ext>
             </p:extLst>
           </p:nvPr>
         </p:nvGraphicFramePr>
         <p:xfrm>
-          <a:off x="5303520" y="676656"/>
-          <a:ext cx="6364224" cy="5513832"/>
+          <a:off x="8845431" y="954157"/>
+          <a:ext cx="2724777" cy="4751698"/>
         </p:xfrm>
         <a:graphic>
           <a:graphicData uri="http://schemas.openxmlformats.org/drawingml/2006/diagram">
             <dgm:relIds xmlns:dgm="http://schemas.openxmlformats.org/drawingml/2006/diagram" xmlns:r="http://schemas.openxmlformats.org/officeDocument/2006/relationships" r:dm="rId3" r:lo="rId4" r:qs="rId5" r:cs="rId6"/>
+          </a:graphicData>
+        </a:graphic>
+      </p:graphicFrame>
+      <p:graphicFrame>
+        <p:nvGraphicFramePr>
+          <p:cNvPr id="13" name="内容占位符 2">
+            <a:extLst>
+              <a:ext uri="{FF2B5EF4-FFF2-40B4-BE49-F238E27FC236}">
+                <a16:creationId xmlns:a16="http://schemas.microsoft.com/office/drawing/2014/main" id="{67A4CAC1-14F4-43DC-9C95-9CE88AA272DC}"/>
+              </a:ext>
+            </a:extLst>
+          </p:cNvPr>
+          <p:cNvGraphicFramePr>
+            <a:graphicFrameLocks/>
+          </p:cNvGraphicFramePr>
+          <p:nvPr>
+            <p:extLst>
+              <p:ext uri="{D42A27DB-BD31-4B8C-83A1-F6EECF244321}">
+                <p14:modId xmlns:p14="http://schemas.microsoft.com/office/powerpoint/2010/main" val="2618652637"/>
+              </p:ext>
+            </p:extLst>
+          </p:nvPr>
+        </p:nvGraphicFramePr>
+        <p:xfrm>
+          <a:off x="5227986" y="397566"/>
+          <a:ext cx="3182114" cy="5768473"/>
+        </p:xfrm>
+        <a:graphic>
+          <a:graphicData uri="http://schemas.openxmlformats.org/drawingml/2006/diagram">
+            <dgm:relIds xmlns:dgm="http://schemas.openxmlformats.org/drawingml/2006/diagram" xmlns:r="http://schemas.openxmlformats.org/officeDocument/2006/relationships" r:dm="rId8" r:lo="rId9" r:qs="rId10" r:cs="rId11"/>
           </a:graphicData>
         </a:graphic>
       </p:graphicFrame>
